--- a/ProjectExecution/BA/Wireframes/003Footer.pptx
+++ b/ProjectExecution/BA/Wireframes/003Footer.pptx
@@ -7,6 +7,8 @@
   <p:sldIdLst>
     <p:sldId id="257" r:id="rId2"/>
     <p:sldId id="258" r:id="rId3"/>
+    <p:sldId id="259" r:id="rId4"/>
+    <p:sldId id="260" r:id="rId5"/>
   </p:sldIdLst>
   <p:sldSz cx="9144000" cy="6858000" type="screen4x3"/>
   <p:notesSz cx="6858000" cy="9144000"/>
@@ -289,7 +291,7 @@
           <a:p>
             <a:fld id="{E3674C62-6B24-4F54-B962-366960A0168F}" type="datetimeFigureOut">
               <a:rPr lang="en-US" smtClean="0"/>
-              <a:t>7/2/2020</a:t>
+              <a:t>7/3/2020</a:t>
             </a:fld>
             <a:endParaRPr lang="en-US"/>
           </a:p>
@@ -454,7 +456,7 @@
           <a:p>
             <a:fld id="{E3674C62-6B24-4F54-B962-366960A0168F}" type="datetimeFigureOut">
               <a:rPr lang="en-US" smtClean="0"/>
-              <a:t>7/2/2020</a:t>
+              <a:t>7/3/2020</a:t>
             </a:fld>
             <a:endParaRPr lang="en-US"/>
           </a:p>
@@ -629,7 +631,7 @@
           <a:p>
             <a:fld id="{E3674C62-6B24-4F54-B962-366960A0168F}" type="datetimeFigureOut">
               <a:rPr lang="en-US" smtClean="0"/>
-              <a:t>7/2/2020</a:t>
+              <a:t>7/3/2020</a:t>
             </a:fld>
             <a:endParaRPr lang="en-US"/>
           </a:p>
@@ -794,7 +796,7 @@
           <a:p>
             <a:fld id="{E3674C62-6B24-4F54-B962-366960A0168F}" type="datetimeFigureOut">
               <a:rPr lang="en-US" smtClean="0"/>
-              <a:t>7/2/2020</a:t>
+              <a:t>7/3/2020</a:t>
             </a:fld>
             <a:endParaRPr lang="en-US"/>
           </a:p>
@@ -1035,7 +1037,7 @@
           <a:p>
             <a:fld id="{E3674C62-6B24-4F54-B962-366960A0168F}" type="datetimeFigureOut">
               <a:rPr lang="en-US" smtClean="0"/>
-              <a:t>7/2/2020</a:t>
+              <a:t>7/3/2020</a:t>
             </a:fld>
             <a:endParaRPr lang="en-US"/>
           </a:p>
@@ -1318,7 +1320,7 @@
           <a:p>
             <a:fld id="{E3674C62-6B24-4F54-B962-366960A0168F}" type="datetimeFigureOut">
               <a:rPr lang="en-US" smtClean="0"/>
-              <a:t>7/2/2020</a:t>
+              <a:t>7/3/2020</a:t>
             </a:fld>
             <a:endParaRPr lang="en-US"/>
           </a:p>
@@ -1735,7 +1737,7 @@
           <a:p>
             <a:fld id="{E3674C62-6B24-4F54-B962-366960A0168F}" type="datetimeFigureOut">
               <a:rPr lang="en-US" smtClean="0"/>
-              <a:t>7/2/2020</a:t>
+              <a:t>7/3/2020</a:t>
             </a:fld>
             <a:endParaRPr lang="en-US"/>
           </a:p>
@@ -1848,7 +1850,7 @@
           <a:p>
             <a:fld id="{E3674C62-6B24-4F54-B962-366960A0168F}" type="datetimeFigureOut">
               <a:rPr lang="en-US" smtClean="0"/>
-              <a:t>7/2/2020</a:t>
+              <a:t>7/3/2020</a:t>
             </a:fld>
             <a:endParaRPr lang="en-US"/>
           </a:p>
@@ -1938,7 +1940,7 @@
           <a:p>
             <a:fld id="{E3674C62-6B24-4F54-B962-366960A0168F}" type="datetimeFigureOut">
               <a:rPr lang="en-US" smtClean="0"/>
-              <a:t>7/2/2020</a:t>
+              <a:t>7/3/2020</a:t>
             </a:fld>
             <a:endParaRPr lang="en-US"/>
           </a:p>
@@ -2210,7 +2212,7 @@
           <a:p>
             <a:fld id="{E3674C62-6B24-4F54-B962-366960A0168F}" type="datetimeFigureOut">
               <a:rPr lang="en-US" smtClean="0"/>
-              <a:t>7/2/2020</a:t>
+              <a:t>7/3/2020</a:t>
             </a:fld>
             <a:endParaRPr lang="en-US"/>
           </a:p>
@@ -2458,7 +2460,7 @@
           <a:p>
             <a:fld id="{E3674C62-6B24-4F54-B962-366960A0168F}" type="datetimeFigureOut">
               <a:rPr lang="en-US" smtClean="0"/>
-              <a:t>7/2/2020</a:t>
+              <a:t>7/3/2020</a:t>
             </a:fld>
             <a:endParaRPr lang="en-US"/>
           </a:p>
@@ -2666,7 +2668,7 @@
           <a:p>
             <a:fld id="{E3674C62-6B24-4F54-B962-366960A0168F}" type="datetimeFigureOut">
               <a:rPr lang="en-US" smtClean="0"/>
-              <a:t>7/2/2020</a:t>
+              <a:t>7/3/2020</a:t>
             </a:fld>
             <a:endParaRPr lang="en-US"/>
           </a:p>
@@ -3036,40 +3038,60 @@
           <a:chExt cx="0" cy="0"/>
         </a:xfrm>
       </p:grpSpPr>
-      <p:cxnSp>
-        <p:nvCxnSpPr>
-          <p:cNvPr id="8" name="Straight Arrow Connector 7"/>
-          <p:cNvCxnSpPr/>
+      <p:pic>
+        <p:nvPicPr>
+          <p:cNvPr id="3076" name="Picture 4"/>
+          <p:cNvPicPr>
+            <a:picLocks noChangeAspect="1" noChangeArrowheads="1"/>
+          </p:cNvPicPr>
           <p:nvPr/>
-        </p:nvCxnSpPr>
-        <p:spPr>
-          <a:xfrm rot="16200000" flipH="1">
-            <a:off x="287750" y="5285805"/>
-            <a:ext cx="709843" cy="476"/>
-          </a:xfrm>
-          <a:prstGeom prst="straightConnector1">
+        </p:nvPicPr>
+        <p:blipFill>
+          <a:blip r:embed="rId2">
+            <a:extLst>
+              <a:ext uri="{28A0092B-C50C-407E-A947-70E740481C1C}">
+                <a14:useLocalDpi xmlns:a14="http://schemas.microsoft.com/office/drawing/2010/main" val="0"/>
+              </a:ext>
+            </a:extLst>
+          </a:blip>
+          <a:srcRect/>
+          <a:stretch>
+            <a:fillRect/>
+          </a:stretch>
+        </p:blipFill>
+        <p:spPr bwMode="auto">
+          <a:xfrm>
+            <a:off x="0" y="1199015"/>
+            <a:ext cx="9134824" cy="1800200"/>
+          </a:xfrm>
+          <a:prstGeom prst="rect">
             <a:avLst/>
           </a:prstGeom>
+          <a:noFill/>
           <a:ln>
-            <a:headEnd type="arrow"/>
-            <a:tailEnd type="arrow"/>
+            <a:noFill/>
           </a:ln>
-        </p:spPr>
-        <p:style>
-          <a:lnRef idx="1">
-            <a:schemeClr val="dk1"/>
-          </a:lnRef>
-          <a:fillRef idx="3">
-            <a:schemeClr val="dk1"/>
-          </a:fillRef>
-          <a:effectRef idx="2">
-            <a:schemeClr val="dk1"/>
-          </a:effectRef>
-          <a:fontRef idx="minor">
-            <a:schemeClr val="lt1"/>
-          </a:fontRef>
-        </p:style>
-      </p:cxnSp>
+          <a:extLst>
+            <a:ext uri="{909E8E84-426E-40DD-AFC4-6F175D3DCCD1}">
+              <a14:hiddenFill xmlns:a14="http://schemas.microsoft.com/office/drawing/2010/main">
+                <a:solidFill>
+                  <a:schemeClr val="accent1"/>
+                </a:solidFill>
+              </a14:hiddenFill>
+            </a:ext>
+            <a:ext uri="{91240B29-F687-4F45-9708-019B960494DF}">
+              <a14:hiddenLine xmlns:a14="http://schemas.microsoft.com/office/drawing/2010/main" w="9525">
+                <a:solidFill>
+                  <a:schemeClr val="tx1"/>
+                </a:solidFill>
+                <a:miter lim="800000"/>
+                <a:headEnd/>
+                <a:tailEnd/>
+              </a14:hiddenLine>
+            </a:ext>
+          </a:extLst>
+        </p:spPr>
+      </p:pic>
       <p:sp>
         <p:nvSpPr>
           <p:cNvPr id="13" name="TextBox 12"/>
@@ -3078,7 +3100,7 @@
         </p:nvSpPr>
         <p:spPr>
           <a:xfrm>
-            <a:off x="142844" y="1928802"/>
+            <a:off x="519715" y="730012"/>
             <a:ext cx="500066" cy="215444"/>
           </a:xfrm>
           <a:prstGeom prst="rect">
@@ -3131,7 +3153,7 @@
         </p:nvSpPr>
         <p:spPr>
           <a:xfrm>
-            <a:off x="6000760" y="5072074"/>
+            <a:off x="6804248" y="3684822"/>
             <a:ext cx="1857388" cy="215444"/>
           </a:xfrm>
           <a:prstGeom prst="rect">
@@ -3195,39 +3217,15 @@
           </a:p>
         </p:txBody>
       </p:sp>
-      <p:pic>
-        <p:nvPicPr>
-          <p:cNvPr id="7" name="Picture 6" descr="001HeaderUnsigned.jpg"/>
-          <p:cNvPicPr>
-            <a:picLocks noChangeAspect="1"/>
-          </p:cNvPicPr>
-          <p:nvPr/>
-        </p:nvPicPr>
-        <p:blipFill>
-          <a:blip r:embed="rId2"/>
-          <a:stretch>
-            <a:fillRect/>
-          </a:stretch>
-        </p:blipFill>
-        <p:spPr>
-          <a:xfrm>
-            <a:off x="0" y="2214448"/>
-            <a:ext cx="9144000" cy="2429104"/>
-          </a:xfrm>
-          <a:prstGeom prst="rect">
-            <a:avLst/>
-          </a:prstGeom>
-        </p:spPr>
-      </p:pic>
-      <p:sp>
-        <p:nvSpPr>
-          <p:cNvPr id="9" name="TextBox 8"/>
+      <p:sp>
+        <p:nvSpPr>
+          <p:cNvPr id="14" name="TextBox 13"/>
           <p:cNvSpPr txBox="1"/>
           <p:nvPr/>
         </p:nvSpPr>
         <p:spPr>
           <a:xfrm>
-            <a:off x="214282" y="2857496"/>
+            <a:off x="2923796" y="2492896"/>
             <a:ext cx="1000132" cy="214314"/>
           </a:xfrm>
           <a:prstGeom prst="rect">
@@ -3270,7 +3268,7 @@
                 </a:solidFill>
                 <a:latin typeface="Arial Black" pitchFamily="34" charset="0"/>
               </a:rPr>
-              <a:t>0px; #8f8fff</a:t>
+              <a:t>0px; #6f6fef</a:t>
             </a:r>
             <a:endParaRPr lang="en-US" sz="800" b="1" dirty="0">
               <a:solidFill>
@@ -3283,22 +3281,56 @@
       </p:sp>
       <p:cxnSp>
         <p:nvCxnSpPr>
-          <p:cNvPr id="10" name="Straight Arrow Connector 9"/>
-          <p:cNvCxnSpPr/>
+          <p:cNvPr id="3" name="Straight Arrow Connector 2"/>
+          <p:cNvCxnSpPr>
+            <a:stCxn id="13" idx="1"/>
+          </p:cNvCxnSpPr>
           <p:nvPr/>
         </p:nvCxnSpPr>
         <p:spPr>
-          <a:xfrm rot="16200000" flipH="1">
-            <a:off x="35687" y="2964652"/>
-            <a:ext cx="357193" cy="1"/>
+          <a:xfrm flipH="1">
+            <a:off x="175623" y="837734"/>
+            <a:ext cx="344092" cy="503034"/>
           </a:xfrm>
           <a:prstGeom prst="straightConnector1">
             <a:avLst/>
           </a:prstGeom>
           <a:ln>
-            <a:headEnd type="arrow"/>
+            <a:solidFill>
+              <a:schemeClr val="tx1"/>
+            </a:solidFill>
             <a:tailEnd type="arrow"/>
           </a:ln>
+        </p:spPr>
+        <p:style>
+          <a:lnRef idx="1">
+            <a:schemeClr val="accent1"/>
+          </a:lnRef>
+          <a:fillRef idx="0">
+            <a:schemeClr val="accent1"/>
+          </a:fillRef>
+          <a:effectRef idx="0">
+            <a:schemeClr val="accent1"/>
+          </a:effectRef>
+          <a:fontRef idx="minor">
+            <a:schemeClr val="tx1"/>
+          </a:fontRef>
+        </p:style>
+      </p:cxnSp>
+      <p:sp>
+        <p:nvSpPr>
+          <p:cNvPr id="9" name="TextBox 8"/>
+          <p:cNvSpPr txBox="1"/>
+          <p:nvPr/>
+        </p:nvSpPr>
+        <p:spPr>
+          <a:xfrm>
+            <a:off x="2157163" y="2133007"/>
+            <a:ext cx="1000132" cy="214314"/>
+          </a:xfrm>
+          <a:prstGeom prst="rect">
+            <a:avLst/>
+          </a:prstGeom>
         </p:spPr>
         <p:style>
           <a:lnRef idx="1">
@@ -3314,70 +3346,6 @@
             <a:schemeClr val="lt1"/>
           </a:fontRef>
         </p:style>
-      </p:cxnSp>
-      <p:cxnSp>
-        <p:nvCxnSpPr>
-          <p:cNvPr id="12" name="Straight Arrow Connector 11"/>
-          <p:cNvCxnSpPr/>
-          <p:nvPr/>
-        </p:nvCxnSpPr>
-        <p:spPr>
-          <a:xfrm rot="16200000" flipH="1">
-            <a:off x="35686" y="3321841"/>
-            <a:ext cx="357193" cy="1"/>
-          </a:xfrm>
-          <a:prstGeom prst="straightConnector1">
-            <a:avLst/>
-          </a:prstGeom>
-          <a:ln>
-            <a:headEnd type="arrow"/>
-            <a:tailEnd type="arrow"/>
-          </a:ln>
-        </p:spPr>
-        <p:style>
-          <a:lnRef idx="1">
-            <a:schemeClr val="dk1"/>
-          </a:lnRef>
-          <a:fillRef idx="3">
-            <a:schemeClr val="dk1"/>
-          </a:fillRef>
-          <a:effectRef idx="2">
-            <a:schemeClr val="dk1"/>
-          </a:effectRef>
-          <a:fontRef idx="minor">
-            <a:schemeClr val="lt1"/>
-          </a:fontRef>
-        </p:style>
-      </p:cxnSp>
-      <p:sp>
-        <p:nvSpPr>
-          <p:cNvPr id="14" name="TextBox 13"/>
-          <p:cNvSpPr txBox="1"/>
-          <p:nvPr/>
-        </p:nvSpPr>
-        <p:spPr>
-          <a:xfrm>
-            <a:off x="1500166" y="2857496"/>
-            <a:ext cx="1000132" cy="214314"/>
-          </a:xfrm>
-          <a:prstGeom prst="rect">
-            <a:avLst/>
-          </a:prstGeom>
-        </p:spPr>
-        <p:style>
-          <a:lnRef idx="1">
-            <a:schemeClr val="dk1"/>
-          </a:lnRef>
-          <a:fillRef idx="3">
-            <a:schemeClr val="dk1"/>
-          </a:fillRef>
-          <a:effectRef idx="2">
-            <a:schemeClr val="dk1"/>
-          </a:effectRef>
-          <a:fontRef idx="minor">
-            <a:schemeClr val="lt1"/>
-          </a:fontRef>
-        </p:style>
         <p:txBody>
           <a:bodyPr wrap="square" rtlCol="0">
             <a:spAutoFit/>
@@ -3400,7 +3368,7 @@
                 </a:solidFill>
                 <a:latin typeface="Arial Black" pitchFamily="34" charset="0"/>
               </a:rPr>
-              <a:t>0px; #6f6fef</a:t>
+              <a:t>0px; #8f8fff</a:t>
             </a:r>
             <a:endParaRPr lang="en-US" sz="800" b="1" dirty="0">
               <a:solidFill>
@@ -3413,21 +3381,128 @@
       </p:sp>
       <p:cxnSp>
         <p:nvCxnSpPr>
-          <p:cNvPr id="17" name="Straight Arrow Connector 16"/>
+          <p:cNvPr id="11" name="Straight Arrow Connector 10"/>
           <p:cNvCxnSpPr/>
           <p:nvPr/>
         </p:nvCxnSpPr>
         <p:spPr>
-          <a:xfrm rot="10800000" flipV="1">
-            <a:off x="214282" y="3071810"/>
-            <a:ext cx="1285884" cy="214314"/>
+          <a:xfrm>
+            <a:off x="2123728" y="1916832"/>
+            <a:ext cx="0" cy="504056"/>
           </a:xfrm>
           <a:prstGeom prst="straightConnector1">
             <a:avLst/>
           </a:prstGeom>
           <a:ln>
+            <a:solidFill>
+              <a:schemeClr val="tx1"/>
+            </a:solidFill>
+            <a:headEnd type="arrow"/>
             <a:tailEnd type="arrow"/>
           </a:ln>
+        </p:spPr>
+        <p:style>
+          <a:lnRef idx="1">
+            <a:schemeClr val="accent1"/>
+          </a:lnRef>
+          <a:fillRef idx="0">
+            <a:schemeClr val="accent1"/>
+          </a:fillRef>
+          <a:effectRef idx="0">
+            <a:schemeClr val="accent1"/>
+          </a:effectRef>
+          <a:fontRef idx="minor">
+            <a:schemeClr val="tx1"/>
+          </a:fontRef>
+        </p:style>
+      </p:cxnSp>
+      <p:cxnSp>
+        <p:nvCxnSpPr>
+          <p:cNvPr id="23" name="Straight Arrow Connector 22"/>
+          <p:cNvCxnSpPr/>
+          <p:nvPr/>
+        </p:nvCxnSpPr>
+        <p:spPr>
+          <a:xfrm>
+            <a:off x="2871845" y="2420888"/>
+            <a:ext cx="0" cy="433456"/>
+          </a:xfrm>
+          <a:prstGeom prst="straightConnector1">
+            <a:avLst/>
+          </a:prstGeom>
+          <a:ln>
+            <a:solidFill>
+              <a:schemeClr val="tx1"/>
+            </a:solidFill>
+            <a:headEnd type="arrow"/>
+            <a:tailEnd type="arrow"/>
+          </a:ln>
+        </p:spPr>
+        <p:style>
+          <a:lnRef idx="1">
+            <a:schemeClr val="accent1"/>
+          </a:lnRef>
+          <a:fillRef idx="0">
+            <a:schemeClr val="accent1"/>
+          </a:fillRef>
+          <a:effectRef idx="0">
+            <a:schemeClr val="accent1"/>
+          </a:effectRef>
+          <a:fontRef idx="minor">
+            <a:schemeClr val="tx1"/>
+          </a:fontRef>
+        </p:style>
+      </p:cxnSp>
+      <p:cxnSp>
+        <p:nvCxnSpPr>
+          <p:cNvPr id="26" name="Straight Arrow Connector 25"/>
+          <p:cNvCxnSpPr/>
+          <p:nvPr/>
+        </p:nvCxnSpPr>
+        <p:spPr>
+          <a:xfrm flipV="1">
+            <a:off x="8316416" y="2707211"/>
+            <a:ext cx="0" cy="977611"/>
+          </a:xfrm>
+          <a:prstGeom prst="straightConnector1">
+            <a:avLst/>
+          </a:prstGeom>
+          <a:ln>
+            <a:solidFill>
+              <a:schemeClr val="tx1"/>
+            </a:solidFill>
+            <a:tailEnd type="arrow"/>
+          </a:ln>
+        </p:spPr>
+        <p:style>
+          <a:lnRef idx="1">
+            <a:schemeClr val="accent1"/>
+          </a:lnRef>
+          <a:fillRef idx="0">
+            <a:schemeClr val="accent1"/>
+          </a:fillRef>
+          <a:effectRef idx="0">
+            <a:schemeClr val="accent1"/>
+          </a:effectRef>
+          <a:fontRef idx="minor">
+            <a:schemeClr val="tx1"/>
+          </a:fontRef>
+        </p:style>
+      </p:cxnSp>
+      <p:sp>
+        <p:nvSpPr>
+          <p:cNvPr id="36" name="TextBox 35"/>
+          <p:cNvSpPr txBox="1"/>
+          <p:nvPr/>
+        </p:nvSpPr>
+        <p:spPr>
+          <a:xfrm>
+            <a:off x="3157295" y="3278684"/>
+            <a:ext cx="1857388" cy="215444"/>
+          </a:xfrm>
+          <a:prstGeom prst="rect">
+            <a:avLst/>
+          </a:prstGeom>
         </p:spPr>
         <p:style>
           <a:lnRef idx="1">
@@ -3443,24 +3518,189 @@
             <a:schemeClr val="lt1"/>
           </a:fontRef>
         </p:style>
-      </p:cxnSp>
+        <p:txBody>
+          <a:bodyPr wrap="square" rtlCol="0">
+            <a:spAutoFit/>
+          </a:bodyPr>
+          <a:lstStyle/>
+          <a:p>
+            <a:r>
+              <a:rPr lang="en-AU" sz="800" b="1" dirty="0" smtClean="0">
+                <a:solidFill>
+                  <a:schemeClr val="accent6"/>
+                </a:solidFill>
+                <a:latin typeface="Arial Black" pitchFamily="34" charset="0"/>
+              </a:rPr>
+              <a:t>Arial Narrow, Bold, </a:t>
+            </a:r>
+            <a:r>
+              <a:rPr lang="en-AU" sz="800" b="1" dirty="0" smtClean="0">
+                <a:solidFill>
+                  <a:schemeClr val="accent6"/>
+                </a:solidFill>
+                <a:latin typeface="Arial" pitchFamily="34" charset="0"/>
+                <a:cs typeface="Arial" pitchFamily="34" charset="0"/>
+              </a:rPr>
+              <a:t>12</a:t>
+            </a:r>
+            <a:r>
+              <a:rPr lang="en-AU" sz="800" b="1" dirty="0" smtClean="0">
+                <a:solidFill>
+                  <a:schemeClr val="accent6"/>
+                </a:solidFill>
+                <a:latin typeface="Arial Black" pitchFamily="34" charset="0"/>
+              </a:rPr>
+              <a:t>; </a:t>
+            </a:r>
+            <a:r>
+              <a:rPr lang="en-AU" sz="800" b="1" dirty="0" smtClean="0">
+                <a:solidFill>
+                  <a:schemeClr val="accent6"/>
+                </a:solidFill>
+                <a:latin typeface="Arial Black" pitchFamily="34" charset="0"/>
+              </a:rPr>
+              <a:t>#8f8fff</a:t>
+            </a:r>
+            <a:endParaRPr lang="en-US" sz="800" b="1" dirty="0">
+              <a:solidFill>
+                <a:schemeClr val="accent6"/>
+              </a:solidFill>
+              <a:latin typeface="Arial Black" pitchFamily="34" charset="0"/>
+            </a:endParaRPr>
+          </a:p>
+        </p:txBody>
+      </p:sp>
+      <p:sp>
+        <p:nvSpPr>
+          <p:cNvPr id="40" name="TextBox 39"/>
+          <p:cNvSpPr txBox="1"/>
+          <p:nvPr/>
+        </p:nvSpPr>
+        <p:spPr>
+          <a:xfrm>
+            <a:off x="4291501" y="4437692"/>
+            <a:ext cx="1857388" cy="461665"/>
+          </a:xfrm>
+          <a:prstGeom prst="rect">
+            <a:avLst/>
+          </a:prstGeom>
+        </p:spPr>
+        <p:style>
+          <a:lnRef idx="1">
+            <a:schemeClr val="dk1"/>
+          </a:lnRef>
+          <a:fillRef idx="3">
+            <a:schemeClr val="dk1"/>
+          </a:fillRef>
+          <a:effectRef idx="2">
+            <a:schemeClr val="dk1"/>
+          </a:effectRef>
+          <a:fontRef idx="minor">
+            <a:schemeClr val="lt1"/>
+          </a:fontRef>
+        </p:style>
+        <p:txBody>
+          <a:bodyPr wrap="square" rtlCol="0">
+            <a:spAutoFit/>
+          </a:bodyPr>
+          <a:lstStyle/>
+          <a:p>
+            <a:r>
+              <a:rPr lang="en-AU" sz="800" b="1" dirty="0" smtClean="0">
+                <a:solidFill>
+                  <a:schemeClr val="accent6"/>
+                </a:solidFill>
+                <a:latin typeface="Arial Black" pitchFamily="34" charset="0"/>
+              </a:rPr>
+              <a:t>Arial Narrow, Bold, </a:t>
+            </a:r>
+            <a:r>
+              <a:rPr lang="en-AU" sz="800" b="1" dirty="0" smtClean="0">
+                <a:solidFill>
+                  <a:schemeClr val="accent6"/>
+                </a:solidFill>
+                <a:latin typeface="Arial" pitchFamily="34" charset="0"/>
+                <a:cs typeface="Arial" pitchFamily="34" charset="0"/>
+              </a:rPr>
+              <a:t>12</a:t>
+            </a:r>
+            <a:r>
+              <a:rPr lang="en-AU" sz="800" b="1" dirty="0" smtClean="0">
+                <a:solidFill>
+                  <a:schemeClr val="accent6"/>
+                </a:solidFill>
+                <a:latin typeface="Arial Black" pitchFamily="34" charset="0"/>
+              </a:rPr>
+              <a:t>; #</a:t>
+            </a:r>
+            <a:r>
+              <a:rPr lang="en-AU" sz="800" b="1" dirty="0" smtClean="0">
+                <a:solidFill>
+                  <a:schemeClr val="accent6"/>
+                </a:solidFill>
+                <a:latin typeface="Arial Black" pitchFamily="34" charset="0"/>
+              </a:rPr>
+              <a:t>0f0f7f (COLOR WILL CHANGE TO THIS WHEN START WRITING)</a:t>
+            </a:r>
+            <a:endParaRPr lang="en-US" sz="800" b="1" dirty="0">
+              <a:solidFill>
+                <a:schemeClr val="accent6"/>
+              </a:solidFill>
+              <a:latin typeface="Arial Black" pitchFamily="34" charset="0"/>
+            </a:endParaRPr>
+          </a:p>
+        </p:txBody>
+      </p:sp>
       <p:cxnSp>
         <p:nvCxnSpPr>
-          <p:cNvPr id="20" name="Straight Arrow Connector 19"/>
+          <p:cNvPr id="34" name="Straight Arrow Connector 33"/>
           <p:cNvCxnSpPr/>
           <p:nvPr/>
         </p:nvCxnSpPr>
         <p:spPr>
-          <a:xfrm rot="5400000">
-            <a:off x="35687" y="2178835"/>
-            <a:ext cx="214314" cy="1588"/>
+          <a:xfrm>
+            <a:off x="5244276" y="2779799"/>
+            <a:ext cx="0" cy="1657893"/>
           </a:xfrm>
           <a:prstGeom prst="straightConnector1">
             <a:avLst/>
           </a:prstGeom>
           <a:ln>
+            <a:solidFill>
+              <a:schemeClr val="tx1"/>
+            </a:solidFill>
             <a:tailEnd type="arrow"/>
           </a:ln>
+        </p:spPr>
+        <p:style>
+          <a:lnRef idx="1">
+            <a:schemeClr val="accent1"/>
+          </a:lnRef>
+          <a:fillRef idx="0">
+            <a:schemeClr val="accent1"/>
+          </a:fillRef>
+          <a:effectRef idx="0">
+            <a:schemeClr val="accent1"/>
+          </a:effectRef>
+          <a:fontRef idx="minor">
+            <a:schemeClr val="tx1"/>
+          </a:fontRef>
+        </p:style>
+      </p:cxnSp>
+      <p:sp>
+        <p:nvSpPr>
+          <p:cNvPr id="43" name="TextBox 42"/>
+          <p:cNvSpPr txBox="1"/>
+          <p:nvPr/>
+        </p:nvSpPr>
+        <p:spPr>
+          <a:xfrm>
+            <a:off x="7090669" y="1637450"/>
+            <a:ext cx="1857388" cy="461665"/>
+          </a:xfrm>
+          <a:prstGeom prst="rect">
+            <a:avLst/>
+          </a:prstGeom>
         </p:spPr>
         <p:style>
           <a:lnRef idx="1">
@@ -3474,6 +3714,237 @@
           </a:effectRef>
           <a:fontRef idx="minor">
             <a:schemeClr val="lt1"/>
+          </a:fontRef>
+        </p:style>
+        <p:txBody>
+          <a:bodyPr wrap="square" rtlCol="0">
+            <a:spAutoFit/>
+          </a:bodyPr>
+          <a:lstStyle/>
+          <a:p>
+            <a:r>
+              <a:rPr lang="en-AU" sz="800" b="1" dirty="0" smtClean="0">
+                <a:solidFill>
+                  <a:schemeClr val="accent6"/>
+                </a:solidFill>
+                <a:latin typeface="Arial Black" pitchFamily="34" charset="0"/>
+              </a:rPr>
+              <a:t>Arial Narrow, Bold, </a:t>
+            </a:r>
+            <a:r>
+              <a:rPr lang="en-AU" sz="800" b="1" dirty="0" smtClean="0">
+                <a:solidFill>
+                  <a:schemeClr val="accent6"/>
+                </a:solidFill>
+                <a:latin typeface="Arial" pitchFamily="34" charset="0"/>
+                <a:cs typeface="Arial" pitchFamily="34" charset="0"/>
+              </a:rPr>
+              <a:t>12</a:t>
+            </a:r>
+            <a:r>
+              <a:rPr lang="en-AU" sz="800" b="1" dirty="0" smtClean="0">
+                <a:solidFill>
+                  <a:schemeClr val="accent6"/>
+                </a:solidFill>
+                <a:latin typeface="Arial Black" pitchFamily="34" charset="0"/>
+              </a:rPr>
+              <a:t>; </a:t>
+            </a:r>
+            <a:r>
+              <a:rPr lang="en-AU" sz="800" b="1" dirty="0" smtClean="0">
+                <a:solidFill>
+                  <a:schemeClr val="accent6"/>
+                </a:solidFill>
+                <a:latin typeface="Arial Black" pitchFamily="34" charset="0"/>
+              </a:rPr>
+              <a:t>#</a:t>
+            </a:r>
+            <a:r>
+              <a:rPr lang="en-AU" sz="800" b="1" dirty="0" err="1" smtClean="0">
+                <a:solidFill>
+                  <a:schemeClr val="accent6"/>
+                </a:solidFill>
+                <a:latin typeface="Arial Black" pitchFamily="34" charset="0"/>
+              </a:rPr>
+              <a:t>ffffff</a:t>
+            </a:r>
+            <a:r>
+              <a:rPr lang="en-AU" sz="800" b="1" dirty="0" smtClean="0">
+                <a:solidFill>
+                  <a:schemeClr val="accent6"/>
+                </a:solidFill>
+                <a:latin typeface="Arial Black" pitchFamily="34" charset="0"/>
+              </a:rPr>
+              <a:t>, (</a:t>
+            </a:r>
+            <a:r>
+              <a:rPr lang="en-AU" sz="800" b="1" dirty="0" err="1" smtClean="0">
+                <a:solidFill>
+                  <a:schemeClr val="accent6"/>
+                </a:solidFill>
+                <a:latin typeface="Arial Black" pitchFamily="34" charset="0"/>
+              </a:rPr>
+              <a:t>cOLOR</a:t>
+            </a:r>
+            <a:r>
+              <a:rPr lang="en-AU" sz="800" b="1" dirty="0" smtClean="0">
+                <a:solidFill>
+                  <a:schemeClr val="accent6"/>
+                </a:solidFill>
+                <a:latin typeface="Arial Black" pitchFamily="34" charset="0"/>
+              </a:rPr>
+              <a:t> WILL CHANGE WITH MOUSE HOVER)</a:t>
+            </a:r>
+            <a:endParaRPr lang="en-US" sz="800" b="1" dirty="0">
+              <a:solidFill>
+                <a:schemeClr val="accent6"/>
+              </a:solidFill>
+              <a:latin typeface="Arial Black" pitchFamily="34" charset="0"/>
+            </a:endParaRPr>
+          </a:p>
+        </p:txBody>
+      </p:sp>
+      <p:cxnSp>
+        <p:nvCxnSpPr>
+          <p:cNvPr id="48" name="Straight Arrow Connector 47"/>
+          <p:cNvCxnSpPr/>
+          <p:nvPr/>
+        </p:nvCxnSpPr>
+        <p:spPr>
+          <a:xfrm>
+            <a:off x="7452320" y="2099115"/>
+            <a:ext cx="0" cy="500938"/>
+          </a:xfrm>
+          <a:prstGeom prst="straightConnector1">
+            <a:avLst/>
+          </a:prstGeom>
+          <a:ln>
+            <a:solidFill>
+              <a:schemeClr val="tx1"/>
+            </a:solidFill>
+            <a:tailEnd type="arrow"/>
+          </a:ln>
+        </p:spPr>
+        <p:style>
+          <a:lnRef idx="1">
+            <a:schemeClr val="accent1"/>
+          </a:lnRef>
+          <a:fillRef idx="0">
+            <a:schemeClr val="accent1"/>
+          </a:fillRef>
+          <a:effectRef idx="0">
+            <a:schemeClr val="accent1"/>
+          </a:effectRef>
+          <a:fontRef idx="minor">
+            <a:schemeClr val="tx1"/>
+          </a:fontRef>
+        </p:style>
+      </p:cxnSp>
+      <p:cxnSp>
+        <p:nvCxnSpPr>
+          <p:cNvPr id="50" name="Straight Arrow Connector 49"/>
+          <p:cNvCxnSpPr/>
+          <p:nvPr/>
+        </p:nvCxnSpPr>
+        <p:spPr>
+          <a:xfrm flipV="1">
+            <a:off x="7452320" y="2707211"/>
+            <a:ext cx="0" cy="977611"/>
+          </a:xfrm>
+          <a:prstGeom prst="straightConnector1">
+            <a:avLst/>
+          </a:prstGeom>
+          <a:ln>
+            <a:solidFill>
+              <a:schemeClr val="tx1"/>
+            </a:solidFill>
+            <a:tailEnd type="arrow"/>
+          </a:ln>
+        </p:spPr>
+        <p:style>
+          <a:lnRef idx="1">
+            <a:schemeClr val="accent1"/>
+          </a:lnRef>
+          <a:fillRef idx="0">
+            <a:schemeClr val="accent1"/>
+          </a:fillRef>
+          <a:effectRef idx="0">
+            <a:schemeClr val="accent1"/>
+          </a:effectRef>
+          <a:fontRef idx="minor">
+            <a:schemeClr val="tx1"/>
+          </a:fontRef>
+        </p:style>
+      </p:cxnSp>
+      <p:cxnSp>
+        <p:nvCxnSpPr>
+          <p:cNvPr id="56" name="Straight Arrow Connector 55"/>
+          <p:cNvCxnSpPr/>
+          <p:nvPr/>
+        </p:nvCxnSpPr>
+        <p:spPr>
+          <a:xfrm>
+            <a:off x="8315650" y="2136678"/>
+            <a:ext cx="0" cy="500938"/>
+          </a:xfrm>
+          <a:prstGeom prst="straightConnector1">
+            <a:avLst/>
+          </a:prstGeom>
+          <a:ln>
+            <a:solidFill>
+              <a:schemeClr val="tx1"/>
+            </a:solidFill>
+            <a:tailEnd type="arrow"/>
+          </a:ln>
+        </p:spPr>
+        <p:style>
+          <a:lnRef idx="1">
+            <a:schemeClr val="accent1"/>
+          </a:lnRef>
+          <a:fillRef idx="0">
+            <a:schemeClr val="accent1"/>
+          </a:fillRef>
+          <a:effectRef idx="0">
+            <a:schemeClr val="accent1"/>
+          </a:effectRef>
+          <a:fontRef idx="minor">
+            <a:schemeClr val="tx1"/>
+          </a:fontRef>
+        </p:style>
+      </p:cxnSp>
+      <p:cxnSp>
+        <p:nvCxnSpPr>
+          <p:cNvPr id="53" name="Straight Arrow Connector 52"/>
+          <p:cNvCxnSpPr/>
+          <p:nvPr/>
+        </p:nvCxnSpPr>
+        <p:spPr>
+          <a:xfrm>
+            <a:off x="4567412" y="2854344"/>
+            <a:ext cx="0" cy="411733"/>
+          </a:xfrm>
+          <a:prstGeom prst="straightConnector1">
+            <a:avLst/>
+          </a:prstGeom>
+          <a:ln>
+            <a:solidFill>
+              <a:schemeClr val="tx1"/>
+            </a:solidFill>
+            <a:tailEnd type="arrow"/>
+          </a:ln>
+        </p:spPr>
+        <p:style>
+          <a:lnRef idx="1">
+            <a:schemeClr val="accent1"/>
+          </a:lnRef>
+          <a:fillRef idx="0">
+            <a:schemeClr val="accent1"/>
+          </a:fillRef>
+          <a:effectRef idx="0">
+            <a:schemeClr val="accent1"/>
+          </a:effectRef>
+          <a:fontRef idx="minor">
+            <a:schemeClr val="tx1"/>
           </a:fontRef>
         </p:style>
       </p:cxnSp>
@@ -3719,6 +4190,739 @@
         </p:txBody>
       </p:sp>
     </p:spTree>
+  </p:cSld>
+  <p:clrMapOvr>
+    <a:masterClrMapping/>
+  </p:clrMapOvr>
+</p:sld>
+</file>
+
+<file path=ppt/slides/slide3.xml><?xml version="1.0" encoding="utf-8"?>
+<p:sld xmlns:a="http://schemas.openxmlformats.org/drawingml/2006/main" xmlns:r="http://schemas.openxmlformats.org/officeDocument/2006/relationships" xmlns:p="http://schemas.openxmlformats.org/presentationml/2006/main">
+  <p:cSld>
+    <p:spTree>
+      <p:nvGrpSpPr>
+        <p:cNvPr id="1" name=""/>
+        <p:cNvGrpSpPr/>
+        <p:nvPr/>
+      </p:nvGrpSpPr>
+      <p:grpSpPr>
+        <a:xfrm>
+          <a:off x="0" y="0"/>
+          <a:ext cx="0" cy="0"/>
+          <a:chOff x="0" y="0"/>
+          <a:chExt cx="0" cy="0"/>
+        </a:xfrm>
+      </p:grpSpPr>
+      <p:cxnSp>
+        <p:nvCxnSpPr>
+          <p:cNvPr id="8" name="Straight Arrow Connector 7"/>
+          <p:cNvCxnSpPr/>
+          <p:nvPr/>
+        </p:nvCxnSpPr>
+        <p:spPr>
+          <a:xfrm rot="16200000" flipH="1">
+            <a:off x="-140878" y="3427287"/>
+            <a:ext cx="709843" cy="476"/>
+          </a:xfrm>
+          <a:prstGeom prst="straightConnector1">
+            <a:avLst/>
+          </a:prstGeom>
+          <a:ln>
+            <a:headEnd type="arrow"/>
+            <a:tailEnd type="arrow"/>
+          </a:ln>
+        </p:spPr>
+        <p:style>
+          <a:lnRef idx="1">
+            <a:schemeClr val="dk1"/>
+          </a:lnRef>
+          <a:fillRef idx="3">
+            <a:schemeClr val="dk1"/>
+          </a:fillRef>
+          <a:effectRef idx="2">
+            <a:schemeClr val="dk1"/>
+          </a:effectRef>
+          <a:fontRef idx="minor">
+            <a:schemeClr val="lt1"/>
+          </a:fontRef>
+        </p:style>
+      </p:cxnSp>
+      <p:sp>
+        <p:nvSpPr>
+          <p:cNvPr id="13" name="TextBox 12"/>
+          <p:cNvSpPr txBox="1"/>
+          <p:nvPr/>
+        </p:nvSpPr>
+        <p:spPr>
+          <a:xfrm>
+            <a:off x="214282" y="3286124"/>
+            <a:ext cx="1000132" cy="214314"/>
+          </a:xfrm>
+          <a:prstGeom prst="rect">
+            <a:avLst/>
+          </a:prstGeom>
+        </p:spPr>
+        <p:style>
+          <a:lnRef idx="1">
+            <a:schemeClr val="dk1"/>
+          </a:lnRef>
+          <a:fillRef idx="3">
+            <a:schemeClr val="dk1"/>
+          </a:fillRef>
+          <a:effectRef idx="2">
+            <a:schemeClr val="dk1"/>
+          </a:effectRef>
+          <a:fontRef idx="minor">
+            <a:schemeClr val="lt1"/>
+          </a:fontRef>
+        </p:style>
+        <p:txBody>
+          <a:bodyPr wrap="square" rtlCol="0">
+            <a:spAutoFit/>
+          </a:bodyPr>
+          <a:lstStyle/>
+          <a:p>
+            <a:r>
+              <a:rPr lang="en-AU" sz="800" b="1" dirty="0" smtClean="0">
+                <a:solidFill>
+                  <a:schemeClr val="accent6"/>
+                </a:solidFill>
+                <a:latin typeface="Arial Black" pitchFamily="34" charset="0"/>
+              </a:rPr>
+              <a:t>100px; #8f8fff</a:t>
+            </a:r>
+            <a:endParaRPr lang="en-US" sz="800" b="1" dirty="0">
+              <a:solidFill>
+                <a:schemeClr val="accent6"/>
+              </a:solidFill>
+              <a:latin typeface="Arial Black" pitchFamily="34" charset="0"/>
+            </a:endParaRPr>
+          </a:p>
+        </p:txBody>
+      </p:sp>
+      <p:cxnSp>
+        <p:nvCxnSpPr>
+          <p:cNvPr id="15" name="Straight Arrow Connector 14"/>
+          <p:cNvCxnSpPr/>
+          <p:nvPr/>
+        </p:nvCxnSpPr>
+        <p:spPr>
+          <a:xfrm rot="10800000">
+            <a:off x="5429256" y="3213097"/>
+            <a:ext cx="300046" cy="1588"/>
+          </a:xfrm>
+          <a:prstGeom prst="straightConnector1">
+            <a:avLst/>
+          </a:prstGeom>
+          <a:ln>
+            <a:tailEnd type="arrow"/>
+          </a:ln>
+        </p:spPr>
+        <p:style>
+          <a:lnRef idx="1">
+            <a:schemeClr val="dk1"/>
+          </a:lnRef>
+          <a:fillRef idx="3">
+            <a:schemeClr val="dk1"/>
+          </a:fillRef>
+          <a:effectRef idx="2">
+            <a:schemeClr val="dk1"/>
+          </a:effectRef>
+          <a:fontRef idx="minor">
+            <a:schemeClr val="lt1"/>
+          </a:fontRef>
+        </p:style>
+      </p:cxnSp>
+      <p:sp>
+        <p:nvSpPr>
+          <p:cNvPr id="19" name="TextBox 18"/>
+          <p:cNvSpPr txBox="1"/>
+          <p:nvPr/>
+        </p:nvSpPr>
+        <p:spPr>
+          <a:xfrm>
+            <a:off x="5572132" y="3213556"/>
+            <a:ext cx="1857388" cy="215444"/>
+          </a:xfrm>
+          <a:prstGeom prst="rect">
+            <a:avLst/>
+          </a:prstGeom>
+        </p:spPr>
+        <p:style>
+          <a:lnRef idx="1">
+            <a:schemeClr val="dk1"/>
+          </a:lnRef>
+          <a:fillRef idx="3">
+            <a:schemeClr val="dk1"/>
+          </a:fillRef>
+          <a:effectRef idx="2">
+            <a:schemeClr val="dk1"/>
+          </a:effectRef>
+          <a:fontRef idx="minor">
+            <a:schemeClr val="lt1"/>
+          </a:fontRef>
+        </p:style>
+        <p:txBody>
+          <a:bodyPr wrap="square" rtlCol="0">
+            <a:spAutoFit/>
+          </a:bodyPr>
+          <a:lstStyle/>
+          <a:p>
+            <a:r>
+              <a:rPr lang="en-AU" sz="800" b="1" dirty="0" smtClean="0">
+                <a:solidFill>
+                  <a:schemeClr val="accent6"/>
+                </a:solidFill>
+                <a:latin typeface="Arial Black" pitchFamily="34" charset="0"/>
+              </a:rPr>
+              <a:t>Arial Narrow, Bold, </a:t>
+            </a:r>
+            <a:r>
+              <a:rPr lang="en-AU" sz="800" b="1" dirty="0" smtClean="0">
+                <a:solidFill>
+                  <a:schemeClr val="accent6"/>
+                </a:solidFill>
+                <a:latin typeface="Arial" pitchFamily="34" charset="0"/>
+                <a:cs typeface="Arial" pitchFamily="34" charset="0"/>
+              </a:rPr>
+              <a:t>12</a:t>
+            </a:r>
+            <a:r>
+              <a:rPr lang="en-AU" sz="800" b="1" dirty="0" smtClean="0">
+                <a:solidFill>
+                  <a:schemeClr val="accent6"/>
+                </a:solidFill>
+                <a:latin typeface="Arial Black" pitchFamily="34" charset="0"/>
+              </a:rPr>
+              <a:t>; #0f0f7f</a:t>
+            </a:r>
+            <a:endParaRPr lang="en-US" sz="800" b="1" dirty="0">
+              <a:solidFill>
+                <a:schemeClr val="accent6"/>
+              </a:solidFill>
+              <a:latin typeface="Arial Black" pitchFamily="34" charset="0"/>
+            </a:endParaRPr>
+          </a:p>
+        </p:txBody>
+      </p:sp>
+      <p:pic>
+        <p:nvPicPr>
+          <p:cNvPr id="1026" name="Picture 2"/>
+          <p:cNvPicPr>
+            <a:picLocks noChangeAspect="1" noChangeArrowheads="1"/>
+          </p:cNvPicPr>
+          <p:nvPr/>
+        </p:nvPicPr>
+        <p:blipFill>
+          <a:blip r:embed="rId2">
+            <a:extLst>
+              <a:ext uri="{28A0092B-C50C-407E-A947-70E740481C1C}">
+                <a14:useLocalDpi xmlns:a14="http://schemas.microsoft.com/office/drawing/2010/main" val="0"/>
+              </a:ext>
+            </a:extLst>
+          </a:blip>
+          <a:srcRect/>
+          <a:stretch>
+            <a:fillRect/>
+          </a:stretch>
+        </p:blipFill>
+        <p:spPr bwMode="auto">
+          <a:xfrm>
+            <a:off x="0" y="-1475"/>
+            <a:ext cx="9143999" cy="6859475"/>
+          </a:xfrm>
+          <a:prstGeom prst="rect">
+            <a:avLst/>
+          </a:prstGeom>
+          <a:noFill/>
+          <a:ln>
+            <a:noFill/>
+          </a:ln>
+          <a:extLst>
+            <a:ext uri="{909E8E84-426E-40DD-AFC4-6F175D3DCCD1}">
+              <a14:hiddenFill xmlns:a14="http://schemas.microsoft.com/office/drawing/2010/main">
+                <a:solidFill>
+                  <a:schemeClr val="accent1"/>
+                </a:solidFill>
+              </a14:hiddenFill>
+            </a:ext>
+            <a:ext uri="{91240B29-F687-4F45-9708-019B960494DF}">
+              <a14:hiddenLine xmlns:a14="http://schemas.microsoft.com/office/drawing/2010/main" w="9525">
+                <a:solidFill>
+                  <a:schemeClr val="tx1"/>
+                </a:solidFill>
+                <a:miter lim="800000"/>
+                <a:headEnd/>
+                <a:tailEnd/>
+              </a14:hiddenLine>
+            </a:ext>
+          </a:extLst>
+        </p:spPr>
+      </p:pic>
+      <p:sp>
+        <p:nvSpPr>
+          <p:cNvPr id="9" name="TextBox 8"/>
+          <p:cNvSpPr txBox="1"/>
+          <p:nvPr/>
+        </p:nvSpPr>
+        <p:spPr>
+          <a:xfrm>
+            <a:off x="190613" y="692696"/>
+            <a:ext cx="1000132" cy="214314"/>
+          </a:xfrm>
+          <a:prstGeom prst="rect">
+            <a:avLst/>
+          </a:prstGeom>
+        </p:spPr>
+        <p:style>
+          <a:lnRef idx="1">
+            <a:schemeClr val="dk1"/>
+          </a:lnRef>
+          <a:fillRef idx="3">
+            <a:schemeClr val="dk1"/>
+          </a:fillRef>
+          <a:effectRef idx="2">
+            <a:schemeClr val="dk1"/>
+          </a:effectRef>
+          <a:fontRef idx="minor">
+            <a:schemeClr val="lt1"/>
+          </a:fontRef>
+        </p:style>
+        <p:txBody>
+          <a:bodyPr wrap="square" rtlCol="0">
+            <a:spAutoFit/>
+          </a:bodyPr>
+          <a:lstStyle/>
+          <a:p>
+            <a:r>
+              <a:rPr lang="en-AU" sz="800" b="1" dirty="0" smtClean="0">
+                <a:solidFill>
+                  <a:schemeClr val="accent6"/>
+                </a:solidFill>
+                <a:latin typeface="Arial Black" pitchFamily="34" charset="0"/>
+              </a:rPr>
+              <a:t>33%</a:t>
+            </a:r>
+            <a:r>
+              <a:rPr lang="en-AU" sz="800" b="1" dirty="0" smtClean="0">
+                <a:solidFill>
+                  <a:schemeClr val="accent6"/>
+                </a:solidFill>
+                <a:latin typeface="Arial Black" pitchFamily="34" charset="0"/>
+              </a:rPr>
+              <a:t>;  #8f8fff</a:t>
+            </a:r>
+            <a:endParaRPr lang="en-US" sz="800" b="1" dirty="0">
+              <a:solidFill>
+                <a:schemeClr val="accent6"/>
+              </a:solidFill>
+              <a:latin typeface="Arial Black" pitchFamily="34" charset="0"/>
+            </a:endParaRPr>
+          </a:p>
+        </p:txBody>
+      </p:sp>
+      <p:sp>
+        <p:nvSpPr>
+          <p:cNvPr id="11" name="TextBox 10"/>
+          <p:cNvSpPr txBox="1"/>
+          <p:nvPr/>
+        </p:nvSpPr>
+        <p:spPr>
+          <a:xfrm>
+            <a:off x="215473" y="5013176"/>
+            <a:ext cx="1000132" cy="214314"/>
+          </a:xfrm>
+          <a:prstGeom prst="rect">
+            <a:avLst/>
+          </a:prstGeom>
+        </p:spPr>
+        <p:style>
+          <a:lnRef idx="1">
+            <a:schemeClr val="dk1"/>
+          </a:lnRef>
+          <a:fillRef idx="3">
+            <a:schemeClr val="dk1"/>
+          </a:fillRef>
+          <a:effectRef idx="2">
+            <a:schemeClr val="dk1"/>
+          </a:effectRef>
+          <a:fontRef idx="minor">
+            <a:schemeClr val="lt1"/>
+          </a:fontRef>
+        </p:style>
+        <p:txBody>
+          <a:bodyPr wrap="square" rtlCol="0">
+            <a:spAutoFit/>
+          </a:bodyPr>
+          <a:lstStyle/>
+          <a:p>
+            <a:r>
+              <a:rPr lang="en-AU" sz="800" b="1" dirty="0" smtClean="0">
+                <a:solidFill>
+                  <a:schemeClr val="accent6"/>
+                </a:solidFill>
+                <a:latin typeface="Arial Black" pitchFamily="34" charset="0"/>
+              </a:rPr>
+              <a:t>33%</a:t>
+            </a:r>
+            <a:r>
+              <a:rPr lang="en-AU" sz="800" b="1" dirty="0" smtClean="0">
+                <a:solidFill>
+                  <a:schemeClr val="accent6"/>
+                </a:solidFill>
+                <a:latin typeface="Arial Black" pitchFamily="34" charset="0"/>
+              </a:rPr>
+              <a:t>;  #</a:t>
+            </a:r>
+            <a:r>
+              <a:rPr lang="en-AU" sz="800" b="1" dirty="0" err="1" smtClean="0">
+                <a:solidFill>
+                  <a:schemeClr val="accent6"/>
+                </a:solidFill>
+                <a:latin typeface="Arial Black" pitchFamily="34" charset="0"/>
+              </a:rPr>
+              <a:t>fff</a:t>
+            </a:r>
+            <a:r>
+              <a:rPr lang="en-AU" sz="800" b="1" dirty="0" err="1" smtClean="0">
+                <a:solidFill>
+                  <a:schemeClr val="accent6"/>
+                </a:solidFill>
+                <a:latin typeface="Arial Black" pitchFamily="34" charset="0"/>
+              </a:rPr>
+              <a:t>fff</a:t>
+            </a:r>
+            <a:endParaRPr lang="en-US" sz="800" b="1" dirty="0">
+              <a:solidFill>
+                <a:schemeClr val="accent6"/>
+              </a:solidFill>
+              <a:latin typeface="Arial Black" pitchFamily="34" charset="0"/>
+            </a:endParaRPr>
+          </a:p>
+        </p:txBody>
+      </p:sp>
+      <p:sp>
+        <p:nvSpPr>
+          <p:cNvPr id="12" name="TextBox 11"/>
+          <p:cNvSpPr txBox="1"/>
+          <p:nvPr/>
+        </p:nvSpPr>
+        <p:spPr>
+          <a:xfrm>
+            <a:off x="215593" y="3201837"/>
+            <a:ext cx="1000132" cy="338554"/>
+          </a:xfrm>
+          <a:prstGeom prst="rect">
+            <a:avLst/>
+          </a:prstGeom>
+        </p:spPr>
+        <p:style>
+          <a:lnRef idx="1">
+            <a:schemeClr val="dk1"/>
+          </a:lnRef>
+          <a:fillRef idx="3">
+            <a:schemeClr val="dk1"/>
+          </a:fillRef>
+          <a:effectRef idx="2">
+            <a:schemeClr val="dk1"/>
+          </a:effectRef>
+          <a:fontRef idx="minor">
+            <a:schemeClr val="lt1"/>
+          </a:fontRef>
+        </p:style>
+        <p:txBody>
+          <a:bodyPr wrap="square" rtlCol="0">
+            <a:spAutoFit/>
+          </a:bodyPr>
+          <a:lstStyle/>
+          <a:p>
+            <a:r>
+              <a:rPr lang="en-AU" sz="800" b="1" dirty="0" smtClean="0">
+                <a:solidFill>
+                  <a:schemeClr val="accent6"/>
+                </a:solidFill>
+                <a:latin typeface="Arial Black" pitchFamily="34" charset="0"/>
+              </a:rPr>
+              <a:t>34%</a:t>
+            </a:r>
+            <a:r>
+              <a:rPr lang="en-AU" sz="800" b="1" dirty="0" smtClean="0">
+                <a:solidFill>
+                  <a:schemeClr val="accent6"/>
+                </a:solidFill>
+                <a:latin typeface="Arial Black" pitchFamily="34" charset="0"/>
+              </a:rPr>
+              <a:t>;  linier </a:t>
+            </a:r>
+            <a:r>
+              <a:rPr lang="en-AU" sz="800" b="1" dirty="0" err="1" smtClean="0">
+                <a:solidFill>
+                  <a:schemeClr val="accent6"/>
+                </a:solidFill>
+                <a:latin typeface="Arial Black" pitchFamily="34" charset="0"/>
+              </a:rPr>
+              <a:t>color</a:t>
+            </a:r>
+            <a:r>
+              <a:rPr lang="en-AU" sz="800" b="1" dirty="0" smtClean="0">
+                <a:solidFill>
+                  <a:schemeClr val="accent6"/>
+                </a:solidFill>
+                <a:latin typeface="Arial Black" pitchFamily="34" charset="0"/>
+              </a:rPr>
+              <a:t> gradient</a:t>
+            </a:r>
+            <a:endParaRPr lang="en-US" sz="800" b="1" dirty="0">
+              <a:solidFill>
+                <a:schemeClr val="accent6"/>
+              </a:solidFill>
+              <a:latin typeface="Arial Black" pitchFamily="34" charset="0"/>
+            </a:endParaRPr>
+          </a:p>
+        </p:txBody>
+      </p:sp>
+    </p:spTree>
+    <p:extLst>
+      <p:ext uri="{BB962C8B-B14F-4D97-AF65-F5344CB8AC3E}">
+        <p14:creationId xmlns:p14="http://schemas.microsoft.com/office/powerpoint/2010/main" val="3422397076"/>
+      </p:ext>
+    </p:extLst>
+  </p:cSld>
+  <p:clrMapOvr>
+    <a:masterClrMapping/>
+  </p:clrMapOvr>
+</p:sld>
+</file>
+
+<file path=ppt/slides/slide4.xml><?xml version="1.0" encoding="utf-8"?>
+<p:sld xmlns:a="http://schemas.openxmlformats.org/drawingml/2006/main" xmlns:r="http://schemas.openxmlformats.org/officeDocument/2006/relationships" xmlns:p="http://schemas.openxmlformats.org/presentationml/2006/main">
+  <p:cSld>
+    <p:spTree>
+      <p:nvGrpSpPr>
+        <p:cNvPr id="1" name=""/>
+        <p:cNvGrpSpPr/>
+        <p:nvPr/>
+      </p:nvGrpSpPr>
+      <p:grpSpPr>
+        <a:xfrm>
+          <a:off x="0" y="0"/>
+          <a:ext cx="0" cy="0"/>
+          <a:chOff x="0" y="0"/>
+          <a:chExt cx="0" cy="0"/>
+        </a:xfrm>
+      </p:grpSpPr>
+      <p:sp>
+        <p:nvSpPr>
+          <p:cNvPr id="13" name="TextBox 12"/>
+          <p:cNvSpPr txBox="1"/>
+          <p:nvPr/>
+        </p:nvSpPr>
+        <p:spPr>
+          <a:xfrm>
+            <a:off x="3893851" y="6289129"/>
+            <a:ext cx="1000132" cy="214314"/>
+          </a:xfrm>
+          <a:prstGeom prst="rect">
+            <a:avLst/>
+          </a:prstGeom>
+        </p:spPr>
+        <p:style>
+          <a:lnRef idx="1">
+            <a:schemeClr val="dk1"/>
+          </a:lnRef>
+          <a:fillRef idx="3">
+            <a:schemeClr val="dk1"/>
+          </a:fillRef>
+          <a:effectRef idx="2">
+            <a:schemeClr val="dk1"/>
+          </a:effectRef>
+          <a:fontRef idx="minor">
+            <a:schemeClr val="lt1"/>
+          </a:fontRef>
+        </p:style>
+        <p:txBody>
+          <a:bodyPr wrap="square" rtlCol="0">
+            <a:spAutoFit/>
+          </a:bodyPr>
+          <a:lstStyle/>
+          <a:p>
+            <a:r>
+              <a:rPr lang="en-AU" sz="800" b="1" dirty="0" smtClean="0">
+                <a:solidFill>
+                  <a:schemeClr val="accent6"/>
+                </a:solidFill>
+                <a:latin typeface="Arial Black" pitchFamily="34" charset="0"/>
+              </a:rPr>
+              <a:t>100px; #8f8fff</a:t>
+            </a:r>
+            <a:endParaRPr lang="en-US" sz="800" b="1" dirty="0">
+              <a:solidFill>
+                <a:schemeClr val="accent6"/>
+              </a:solidFill>
+              <a:latin typeface="Arial Black" pitchFamily="34" charset="0"/>
+            </a:endParaRPr>
+          </a:p>
+        </p:txBody>
+      </p:sp>
+      <p:sp>
+        <p:nvSpPr>
+          <p:cNvPr id="19" name="TextBox 18"/>
+          <p:cNvSpPr txBox="1"/>
+          <p:nvPr/>
+        </p:nvSpPr>
+        <p:spPr>
+          <a:xfrm>
+            <a:off x="6012160" y="6197510"/>
+            <a:ext cx="1857388" cy="215444"/>
+          </a:xfrm>
+          <a:prstGeom prst="rect">
+            <a:avLst/>
+          </a:prstGeom>
+        </p:spPr>
+        <p:style>
+          <a:lnRef idx="1">
+            <a:schemeClr val="dk1"/>
+          </a:lnRef>
+          <a:fillRef idx="3">
+            <a:schemeClr val="dk1"/>
+          </a:fillRef>
+          <a:effectRef idx="2">
+            <a:schemeClr val="dk1"/>
+          </a:effectRef>
+          <a:fontRef idx="minor">
+            <a:schemeClr val="lt1"/>
+          </a:fontRef>
+        </p:style>
+        <p:txBody>
+          <a:bodyPr wrap="square" rtlCol="0">
+            <a:spAutoFit/>
+          </a:bodyPr>
+          <a:lstStyle/>
+          <a:p>
+            <a:r>
+              <a:rPr lang="en-AU" sz="800" b="1" dirty="0" smtClean="0">
+                <a:solidFill>
+                  <a:schemeClr val="accent6"/>
+                </a:solidFill>
+                <a:latin typeface="Arial Black" pitchFamily="34" charset="0"/>
+              </a:rPr>
+              <a:t>Arial Narrow, Bold, </a:t>
+            </a:r>
+            <a:r>
+              <a:rPr lang="en-AU" sz="800" b="1" dirty="0" smtClean="0">
+                <a:solidFill>
+                  <a:schemeClr val="accent6"/>
+                </a:solidFill>
+                <a:latin typeface="Arial" pitchFamily="34" charset="0"/>
+                <a:cs typeface="Arial" pitchFamily="34" charset="0"/>
+              </a:rPr>
+              <a:t>12</a:t>
+            </a:r>
+            <a:r>
+              <a:rPr lang="en-AU" sz="800" b="1" dirty="0" smtClean="0">
+                <a:solidFill>
+                  <a:schemeClr val="accent6"/>
+                </a:solidFill>
+                <a:latin typeface="Arial Black" pitchFamily="34" charset="0"/>
+              </a:rPr>
+              <a:t>; #0f0f7f</a:t>
+            </a:r>
+            <a:endParaRPr lang="en-US" sz="800" b="1" dirty="0">
+              <a:solidFill>
+                <a:schemeClr val="accent6"/>
+              </a:solidFill>
+              <a:latin typeface="Arial Black" pitchFamily="34" charset="0"/>
+            </a:endParaRPr>
+          </a:p>
+        </p:txBody>
+      </p:sp>
+      <p:sp>
+        <p:nvSpPr>
+          <p:cNvPr id="11" name="TextBox 10"/>
+          <p:cNvSpPr txBox="1"/>
+          <p:nvPr/>
+        </p:nvSpPr>
+        <p:spPr>
+          <a:xfrm>
+            <a:off x="215473" y="6165304"/>
+            <a:ext cx="1000132" cy="214314"/>
+          </a:xfrm>
+          <a:prstGeom prst="rect">
+            <a:avLst/>
+          </a:prstGeom>
+        </p:spPr>
+        <p:style>
+          <a:lnRef idx="1">
+            <a:schemeClr val="dk1"/>
+          </a:lnRef>
+          <a:fillRef idx="3">
+            <a:schemeClr val="dk1"/>
+          </a:fillRef>
+          <a:effectRef idx="2">
+            <a:schemeClr val="dk1"/>
+          </a:effectRef>
+          <a:fontRef idx="minor">
+            <a:schemeClr val="lt1"/>
+          </a:fontRef>
+        </p:style>
+        <p:txBody>
+          <a:bodyPr wrap="square" rtlCol="0">
+            <a:spAutoFit/>
+          </a:bodyPr>
+          <a:lstStyle/>
+          <a:p>
+            <a:r>
+              <a:rPr lang="en-AU" sz="800" b="1" dirty="0" smtClean="0">
+                <a:solidFill>
+                  <a:schemeClr val="accent6"/>
+                </a:solidFill>
+                <a:latin typeface="Arial Black" pitchFamily="34" charset="0"/>
+              </a:rPr>
+              <a:t>33%</a:t>
+            </a:r>
+            <a:r>
+              <a:rPr lang="en-AU" sz="800" b="1" dirty="0" smtClean="0">
+                <a:solidFill>
+                  <a:schemeClr val="accent6"/>
+                </a:solidFill>
+                <a:latin typeface="Arial Black" pitchFamily="34" charset="0"/>
+              </a:rPr>
+              <a:t>;  #</a:t>
+            </a:r>
+            <a:r>
+              <a:rPr lang="en-AU" sz="800" b="1" dirty="0" err="1" smtClean="0">
+                <a:solidFill>
+                  <a:schemeClr val="accent6"/>
+                </a:solidFill>
+                <a:latin typeface="Arial Black" pitchFamily="34" charset="0"/>
+              </a:rPr>
+              <a:t>fff</a:t>
+            </a:r>
+            <a:r>
+              <a:rPr lang="en-AU" sz="800" b="1" dirty="0" err="1" smtClean="0">
+                <a:solidFill>
+                  <a:schemeClr val="accent6"/>
+                </a:solidFill>
+                <a:latin typeface="Arial Black" pitchFamily="34" charset="0"/>
+              </a:rPr>
+              <a:t>fff</a:t>
+            </a:r>
+            <a:endParaRPr lang="en-US" sz="800" b="1" dirty="0">
+              <a:solidFill>
+                <a:schemeClr val="accent6"/>
+              </a:solidFill>
+              <a:latin typeface="Arial Black" pitchFamily="34" charset="0"/>
+            </a:endParaRPr>
+          </a:p>
+        </p:txBody>
+      </p:sp>
+    </p:spTree>
+    <p:extLst>
+      <p:ext uri="{BB962C8B-B14F-4D97-AF65-F5344CB8AC3E}">
+        <p14:creationId xmlns:p14="http://schemas.microsoft.com/office/powerpoint/2010/main" val="813474526"/>
+      </p:ext>
+    </p:extLst>
   </p:cSld>
   <p:clrMapOvr>
     <a:masterClrMapping/>

--- a/ProjectExecution/BA/Wireframes/003Footer.pptx
+++ b/ProjectExecution/BA/Wireframes/003Footer.pptx
@@ -9,6 +9,7 @@
     <p:sldId id="258" r:id="rId3"/>
     <p:sldId id="259" r:id="rId4"/>
     <p:sldId id="260" r:id="rId5"/>
+    <p:sldId id="261" r:id="rId6"/>
   </p:sldIdLst>
   <p:sldSz cx="9144000" cy="6858000" type="screen4x3"/>
   <p:notesSz cx="6858000" cy="9144000"/>
@@ -291,7 +292,7 @@
           <a:p>
             <a:fld id="{E3674C62-6B24-4F54-B962-366960A0168F}" type="datetimeFigureOut">
               <a:rPr lang="en-US" smtClean="0"/>
-              <a:t>7/3/2020</a:t>
+              <a:t>7/4/2020</a:t>
             </a:fld>
             <a:endParaRPr lang="en-US"/>
           </a:p>
@@ -456,7 +457,7 @@
           <a:p>
             <a:fld id="{E3674C62-6B24-4F54-B962-366960A0168F}" type="datetimeFigureOut">
               <a:rPr lang="en-US" smtClean="0"/>
-              <a:t>7/3/2020</a:t>
+              <a:t>7/4/2020</a:t>
             </a:fld>
             <a:endParaRPr lang="en-US"/>
           </a:p>
@@ -631,7 +632,7 @@
           <a:p>
             <a:fld id="{E3674C62-6B24-4F54-B962-366960A0168F}" type="datetimeFigureOut">
               <a:rPr lang="en-US" smtClean="0"/>
-              <a:t>7/3/2020</a:t>
+              <a:t>7/4/2020</a:t>
             </a:fld>
             <a:endParaRPr lang="en-US"/>
           </a:p>
@@ -796,7 +797,7 @@
           <a:p>
             <a:fld id="{E3674C62-6B24-4F54-B962-366960A0168F}" type="datetimeFigureOut">
               <a:rPr lang="en-US" smtClean="0"/>
-              <a:t>7/3/2020</a:t>
+              <a:t>7/4/2020</a:t>
             </a:fld>
             <a:endParaRPr lang="en-US"/>
           </a:p>
@@ -1037,7 +1038,7 @@
           <a:p>
             <a:fld id="{E3674C62-6B24-4F54-B962-366960A0168F}" type="datetimeFigureOut">
               <a:rPr lang="en-US" smtClean="0"/>
-              <a:t>7/3/2020</a:t>
+              <a:t>7/4/2020</a:t>
             </a:fld>
             <a:endParaRPr lang="en-US"/>
           </a:p>
@@ -1320,7 +1321,7 @@
           <a:p>
             <a:fld id="{E3674C62-6B24-4F54-B962-366960A0168F}" type="datetimeFigureOut">
               <a:rPr lang="en-US" smtClean="0"/>
-              <a:t>7/3/2020</a:t>
+              <a:t>7/4/2020</a:t>
             </a:fld>
             <a:endParaRPr lang="en-US"/>
           </a:p>
@@ -1737,7 +1738,7 @@
           <a:p>
             <a:fld id="{E3674C62-6B24-4F54-B962-366960A0168F}" type="datetimeFigureOut">
               <a:rPr lang="en-US" smtClean="0"/>
-              <a:t>7/3/2020</a:t>
+              <a:t>7/4/2020</a:t>
             </a:fld>
             <a:endParaRPr lang="en-US"/>
           </a:p>
@@ -1850,7 +1851,7 @@
           <a:p>
             <a:fld id="{E3674C62-6B24-4F54-B962-366960A0168F}" type="datetimeFigureOut">
               <a:rPr lang="en-US" smtClean="0"/>
-              <a:t>7/3/2020</a:t>
+              <a:t>7/4/2020</a:t>
             </a:fld>
             <a:endParaRPr lang="en-US"/>
           </a:p>
@@ -1940,7 +1941,7 @@
           <a:p>
             <a:fld id="{E3674C62-6B24-4F54-B962-366960A0168F}" type="datetimeFigureOut">
               <a:rPr lang="en-US" smtClean="0"/>
-              <a:t>7/3/2020</a:t>
+              <a:t>7/4/2020</a:t>
             </a:fld>
             <a:endParaRPr lang="en-US"/>
           </a:p>
@@ -2212,7 +2213,7 @@
           <a:p>
             <a:fld id="{E3674C62-6B24-4F54-B962-366960A0168F}" type="datetimeFigureOut">
               <a:rPr lang="en-US" smtClean="0"/>
-              <a:t>7/3/2020</a:t>
+              <a:t>7/4/2020</a:t>
             </a:fld>
             <a:endParaRPr lang="en-US"/>
           </a:p>
@@ -2460,7 +2461,7 @@
           <a:p>
             <a:fld id="{E3674C62-6B24-4F54-B962-366960A0168F}" type="datetimeFigureOut">
               <a:rPr lang="en-US" smtClean="0"/>
-              <a:t>7/3/2020</a:t>
+              <a:t>7/4/2020</a:t>
             </a:fld>
             <a:endParaRPr lang="en-US"/>
           </a:p>
@@ -2668,7 +2669,7 @@
           <a:p>
             <a:fld id="{E3674C62-6B24-4F54-B962-366960A0168F}" type="datetimeFigureOut">
               <a:rPr lang="en-US" smtClean="0"/>
-              <a:t>7/3/2020</a:t>
+              <a:t>7/4/2020</a:t>
             </a:fld>
             <a:endParaRPr lang="en-US"/>
           </a:p>
@@ -3550,16 +3551,7 @@
                 </a:solidFill>
                 <a:latin typeface="Arial Black" pitchFamily="34" charset="0"/>
               </a:rPr>
-              <a:t>; </a:t>
-            </a:r>
-            <a:r>
-              <a:rPr lang="en-AU" sz="800" b="1" dirty="0" smtClean="0">
-                <a:solidFill>
-                  <a:schemeClr val="accent6"/>
-                </a:solidFill>
-                <a:latin typeface="Arial Black" pitchFamily="34" charset="0"/>
-              </a:rPr>
-              <a:t>#8f8fff</a:t>
+              <a:t>; #8f8fff</a:t>
             </a:r>
             <a:endParaRPr lang="en-US" sz="800" b="1" dirty="0">
               <a:solidFill>
@@ -3631,16 +3623,7 @@
                 </a:solidFill>
                 <a:latin typeface="Arial Black" pitchFamily="34" charset="0"/>
               </a:rPr>
-              <a:t>; #</a:t>
-            </a:r>
-            <a:r>
-              <a:rPr lang="en-AU" sz="800" b="1" dirty="0" smtClean="0">
-                <a:solidFill>
-                  <a:schemeClr val="accent6"/>
-                </a:solidFill>
-                <a:latin typeface="Arial Black" pitchFamily="34" charset="0"/>
-              </a:rPr>
-              <a:t>0f0f7f (COLOR WILL CHANGE TO THIS WHEN START WRITING)</a:t>
+              <a:t>; #0f0f7f (COLOR WILL CHANGE TO THIS WHEN START WRITING)</a:t>
             </a:r>
             <a:endParaRPr lang="en-US" sz="800" b="1" dirty="0">
               <a:solidFill>
@@ -3748,16 +3731,7 @@
                 </a:solidFill>
                 <a:latin typeface="Arial Black" pitchFamily="34" charset="0"/>
               </a:rPr>
-              <a:t>; </a:t>
-            </a:r>
-            <a:r>
-              <a:rPr lang="en-AU" sz="800" b="1" dirty="0" smtClean="0">
-                <a:solidFill>
-                  <a:schemeClr val="accent6"/>
-                </a:solidFill>
-                <a:latin typeface="Arial Black" pitchFamily="34" charset="0"/>
-              </a:rPr>
-              <a:t>#</a:t>
+              <a:t>; #</a:t>
             </a:r>
             <a:r>
               <a:rPr lang="en-AU" sz="800" b="1" dirty="0" err="1" smtClean="0">
@@ -4502,16 +4476,7 @@
                 </a:solidFill>
                 <a:latin typeface="Arial Black" pitchFamily="34" charset="0"/>
               </a:rPr>
-              <a:t>33%</a:t>
-            </a:r>
-            <a:r>
-              <a:rPr lang="en-AU" sz="800" b="1" dirty="0" smtClean="0">
-                <a:solidFill>
-                  <a:schemeClr val="accent6"/>
-                </a:solidFill>
-                <a:latin typeface="Arial Black" pitchFamily="34" charset="0"/>
-              </a:rPr>
-              <a:t>;  #8f8fff</a:t>
+              <a:t>33%;  #8f8fff</a:t>
             </a:r>
             <a:endParaRPr lang="en-US" sz="800" b="1" dirty="0">
               <a:solidFill>
@@ -4564,16 +4529,7 @@
                 </a:solidFill>
                 <a:latin typeface="Arial Black" pitchFamily="34" charset="0"/>
               </a:rPr>
-              <a:t>33%</a:t>
-            </a:r>
-            <a:r>
-              <a:rPr lang="en-AU" sz="800" b="1" dirty="0" smtClean="0">
-                <a:solidFill>
-                  <a:schemeClr val="accent6"/>
-                </a:solidFill>
-                <a:latin typeface="Arial Black" pitchFamily="34" charset="0"/>
-              </a:rPr>
-              <a:t>;  #</a:t>
+              <a:t>33%;  #</a:t>
             </a:r>
             <a:r>
               <a:rPr lang="en-AU" sz="800" b="1" dirty="0" err="1" smtClean="0">
@@ -4582,16 +4538,7 @@
                 </a:solidFill>
                 <a:latin typeface="Arial Black" pitchFamily="34" charset="0"/>
               </a:rPr>
-              <a:t>fff</a:t>
-            </a:r>
-            <a:r>
-              <a:rPr lang="en-AU" sz="800" b="1" dirty="0" err="1" smtClean="0">
-                <a:solidFill>
-                  <a:schemeClr val="accent6"/>
-                </a:solidFill>
-                <a:latin typeface="Arial Black" pitchFamily="34" charset="0"/>
-              </a:rPr>
-              <a:t>fff</a:t>
+              <a:t>ffffff</a:t>
             </a:r>
             <a:endParaRPr lang="en-US" sz="800" b="1" dirty="0">
               <a:solidFill>
@@ -4644,16 +4591,7 @@
                 </a:solidFill>
                 <a:latin typeface="Arial Black" pitchFamily="34" charset="0"/>
               </a:rPr>
-              <a:t>34%</a:t>
-            </a:r>
-            <a:r>
-              <a:rPr lang="en-AU" sz="800" b="1" dirty="0" smtClean="0">
-                <a:solidFill>
-                  <a:schemeClr val="accent6"/>
-                </a:solidFill>
-                <a:latin typeface="Arial Black" pitchFamily="34" charset="0"/>
-              </a:rPr>
-              <a:t>;  linier </a:t>
+              <a:t>34%;  linier </a:t>
             </a:r>
             <a:r>
               <a:rPr lang="en-AU" sz="800" b="1" dirty="0" err="1" smtClean="0">
@@ -4712,16 +4650,70 @@
           <a:chExt cx="0" cy="0"/>
         </a:xfrm>
       </p:grpSpPr>
-      <p:sp>
-        <p:nvSpPr>
-          <p:cNvPr id="13" name="TextBox 12"/>
+      <p:pic>
+        <p:nvPicPr>
+          <p:cNvPr id="1027" name="Picture 3"/>
+          <p:cNvPicPr>
+            <a:picLocks noChangeAspect="1" noChangeArrowheads="1"/>
+          </p:cNvPicPr>
+          <p:nvPr/>
+        </p:nvPicPr>
+        <p:blipFill>
+          <a:blip r:embed="rId2">
+            <a:extLst>
+              <a:ext uri="{28A0092B-C50C-407E-A947-70E740481C1C}">
+                <a14:useLocalDpi xmlns:a14="http://schemas.microsoft.com/office/drawing/2010/main" val="0"/>
+              </a:ext>
+            </a:extLst>
+          </a:blip>
+          <a:srcRect/>
+          <a:stretch>
+            <a:fillRect/>
+          </a:stretch>
+        </p:blipFill>
+        <p:spPr bwMode="auto">
+          <a:xfrm>
+            <a:off x="0" y="22912"/>
+            <a:ext cx="9165839" cy="6889733"/>
+          </a:xfrm>
+          <a:prstGeom prst="rect">
+            <a:avLst/>
+          </a:prstGeom>
+          <a:noFill/>
+          <a:ln>
+            <a:noFill/>
+          </a:ln>
+          <a:extLst>
+            <a:ext uri="{909E8E84-426E-40DD-AFC4-6F175D3DCCD1}">
+              <a14:hiddenFill xmlns:a14="http://schemas.microsoft.com/office/drawing/2010/main">
+                <a:solidFill>
+                  <a:schemeClr val="accent1"/>
+                </a:solidFill>
+              </a14:hiddenFill>
+            </a:ext>
+            <a:ext uri="{91240B29-F687-4F45-9708-019B960494DF}">
+              <a14:hiddenLine xmlns:a14="http://schemas.microsoft.com/office/drawing/2010/main" w="9525">
+                <a:solidFill>
+                  <a:schemeClr val="tx1"/>
+                </a:solidFill>
+                <a:miter lim="800000"/>
+                <a:headEnd/>
+                <a:tailEnd/>
+              </a14:hiddenLine>
+            </a:ext>
+          </a:extLst>
+        </p:spPr>
+      </p:pic>
+      <p:sp>
+        <p:nvSpPr>
+          <p:cNvPr id="9" name="TextBox 8"/>
           <p:cNvSpPr txBox="1"/>
           <p:nvPr/>
         </p:nvSpPr>
         <p:spPr>
           <a:xfrm>
-            <a:off x="3893851" y="6289129"/>
-            <a:ext cx="1000132" cy="214314"/>
+            <a:off x="2915816" y="1916832"/>
+            <a:ext cx="1857388" cy="338554"/>
           </a:xfrm>
           <a:prstGeom prst="rect">
             <a:avLst/>
@@ -4754,7 +4746,44 @@
                 </a:solidFill>
                 <a:latin typeface="Arial Black" pitchFamily="34" charset="0"/>
               </a:rPr>
-              <a:t>100px; #8f8fff</a:t>
+              <a:t>Button, Arial </a:t>
+            </a:r>
+            <a:r>
+              <a:rPr lang="en-AU" sz="800" b="1" dirty="0" smtClean="0">
+                <a:solidFill>
+                  <a:schemeClr val="accent6"/>
+                </a:solidFill>
+                <a:latin typeface="Arial Black" pitchFamily="34" charset="0"/>
+              </a:rPr>
+              <a:t>Narrow, Bold, </a:t>
+            </a:r>
+            <a:r>
+              <a:rPr lang="en-AU" sz="800" b="1" dirty="0" smtClean="0">
+                <a:solidFill>
+                  <a:schemeClr val="accent6"/>
+                </a:solidFill>
+                <a:latin typeface="Arial" pitchFamily="34" charset="0"/>
+                <a:cs typeface="Arial" pitchFamily="34" charset="0"/>
+              </a:rPr>
+              <a:t>12</a:t>
+            </a:r>
+            <a:r>
+              <a:rPr lang="en-AU" sz="800" b="1" dirty="0" smtClean="0">
+                <a:solidFill>
+                  <a:schemeClr val="accent6"/>
+                </a:solidFill>
+                <a:latin typeface="Arial Black" pitchFamily="34" charset="0"/>
+              </a:rPr>
+              <a:t>; </a:t>
+            </a:r>
+            <a:r>
+              <a:rPr lang="en-AU" sz="800" b="1" dirty="0" smtClean="0">
+                <a:solidFill>
+                  <a:schemeClr val="accent6"/>
+                </a:solidFill>
+                <a:latin typeface="Arial Black" pitchFamily="34" charset="0"/>
+              </a:rPr>
+              <a:t>#2f2faf</a:t>
             </a:r>
             <a:endParaRPr lang="en-US" sz="800" b="1" dirty="0">
               <a:solidFill>
@@ -4765,15 +4794,51 @@
           </a:p>
         </p:txBody>
       </p:sp>
-      <p:sp>
-        <p:nvSpPr>
-          <p:cNvPr id="19" name="TextBox 18"/>
+      <p:cxnSp>
+        <p:nvCxnSpPr>
+          <p:cNvPr id="5" name="Straight Arrow Connector 4"/>
+          <p:cNvCxnSpPr/>
+          <p:nvPr/>
+        </p:nvCxnSpPr>
+        <p:spPr>
+          <a:xfrm>
+            <a:off x="2123728" y="1916832"/>
+            <a:ext cx="792088" cy="0"/>
+          </a:xfrm>
+          <a:prstGeom prst="straightConnector1">
+            <a:avLst/>
+          </a:prstGeom>
+          <a:ln>
+            <a:solidFill>
+              <a:schemeClr val="tx1"/>
+            </a:solidFill>
+            <a:tailEnd type="arrow"/>
+          </a:ln>
+        </p:spPr>
+        <p:style>
+          <a:lnRef idx="1">
+            <a:schemeClr val="accent1"/>
+          </a:lnRef>
+          <a:fillRef idx="0">
+            <a:schemeClr val="accent1"/>
+          </a:fillRef>
+          <a:effectRef idx="0">
+            <a:schemeClr val="accent1"/>
+          </a:effectRef>
+          <a:fontRef idx="minor">
+            <a:schemeClr val="tx1"/>
+          </a:fontRef>
+        </p:style>
+      </p:cxnSp>
+      <p:sp>
+        <p:nvSpPr>
+          <p:cNvPr id="14" name="TextBox 13"/>
           <p:cNvSpPr txBox="1"/>
           <p:nvPr/>
         </p:nvSpPr>
         <p:spPr>
           <a:xfrm>
-            <a:off x="6012160" y="6197510"/>
+            <a:off x="3804561" y="2564904"/>
             <a:ext cx="1857388" cy="215444"/>
           </a:xfrm>
           <a:prstGeom prst="rect">
@@ -4807,17 +4872,16 @@
                 </a:solidFill>
                 <a:latin typeface="Arial Black" pitchFamily="34" charset="0"/>
               </a:rPr>
-              <a:t>Arial Narrow, Bold, </a:t>
-            </a:r>
-            <a:r>
-              <a:rPr lang="en-AU" sz="800" b="1" dirty="0" smtClean="0">
-                <a:solidFill>
-                  <a:schemeClr val="accent6"/>
-                </a:solidFill>
-                <a:latin typeface="Arial" pitchFamily="34" charset="0"/>
-                <a:cs typeface="Arial" pitchFamily="34" charset="0"/>
-              </a:rPr>
-              <a:t>12</a:t>
+              <a:t>Arial </a:t>
+            </a:r>
+            <a:r>
+              <a:rPr lang="en-AU" sz="800" b="1" dirty="0">
+                <a:solidFill>
+                  <a:schemeClr val="accent6"/>
+                </a:solidFill>
+                <a:latin typeface="Arial Black" pitchFamily="34" charset="0"/>
+              </a:rPr>
+              <a:t>Narrow , 9</a:t>
             </a:r>
             <a:r>
               <a:rPr lang="en-AU" sz="800" b="1" dirty="0" smtClean="0">
@@ -4837,16 +4901,90 @@
           </a:p>
         </p:txBody>
       </p:sp>
-      <p:sp>
-        <p:nvSpPr>
-          <p:cNvPr id="11" name="TextBox 10"/>
+      <p:cxnSp>
+        <p:nvCxnSpPr>
+          <p:cNvPr id="10" name="Elbow Connector 9"/>
+          <p:cNvCxnSpPr/>
+          <p:nvPr/>
+        </p:nvCxnSpPr>
+        <p:spPr>
+          <a:xfrm>
+            <a:off x="1619672" y="2672626"/>
+            <a:ext cx="2184889" cy="107722"/>
+          </a:xfrm>
+          <a:prstGeom prst="bentConnector3">
+            <a:avLst/>
+          </a:prstGeom>
+          <a:ln>
+            <a:solidFill>
+              <a:schemeClr val="tx1"/>
+            </a:solidFill>
+            <a:tailEnd type="arrow"/>
+          </a:ln>
+        </p:spPr>
+        <p:style>
+          <a:lnRef idx="1">
+            <a:schemeClr val="accent1"/>
+          </a:lnRef>
+          <a:fillRef idx="0">
+            <a:schemeClr val="accent1"/>
+          </a:fillRef>
+          <a:effectRef idx="0">
+            <a:schemeClr val="accent1"/>
+          </a:effectRef>
+          <a:fontRef idx="minor">
+            <a:schemeClr val="tx1"/>
+          </a:fontRef>
+        </p:style>
+      </p:cxnSp>
+      <p:cxnSp>
+        <p:nvCxnSpPr>
+          <p:cNvPr id="15" name="Elbow Connector 14"/>
+          <p:cNvCxnSpPr>
+            <a:endCxn id="14" idx="1"/>
+          </p:cNvCxnSpPr>
+          <p:nvPr/>
+        </p:nvCxnSpPr>
+        <p:spPr>
+          <a:xfrm>
+            <a:off x="3059832" y="2420888"/>
+            <a:ext cx="744729" cy="251738"/>
+          </a:xfrm>
+          <a:prstGeom prst="bentConnector3">
+            <a:avLst/>
+          </a:prstGeom>
+          <a:ln>
+            <a:solidFill>
+              <a:schemeClr val="tx1"/>
+            </a:solidFill>
+            <a:tailEnd type="arrow"/>
+          </a:ln>
+        </p:spPr>
+        <p:style>
+          <a:lnRef idx="1">
+            <a:schemeClr val="accent1"/>
+          </a:lnRef>
+          <a:fillRef idx="0">
+            <a:schemeClr val="accent1"/>
+          </a:fillRef>
+          <a:effectRef idx="0">
+            <a:schemeClr val="accent1"/>
+          </a:effectRef>
+          <a:fontRef idx="minor">
+            <a:schemeClr val="tx1"/>
+          </a:fontRef>
+        </p:style>
+      </p:cxnSp>
+      <p:sp>
+        <p:nvSpPr>
+          <p:cNvPr id="21" name="TextBox 20"/>
           <p:cNvSpPr txBox="1"/>
           <p:nvPr/>
         </p:nvSpPr>
         <p:spPr>
           <a:xfrm>
-            <a:off x="215473" y="6165304"/>
-            <a:ext cx="1000132" cy="214314"/>
+            <a:off x="7452320" y="4149080"/>
+            <a:ext cx="1224136" cy="215444"/>
           </a:xfrm>
           <a:prstGeom prst="rect">
             <a:avLst/>
@@ -4879,16 +5017,7 @@
                 </a:solidFill>
                 <a:latin typeface="Arial Black" pitchFamily="34" charset="0"/>
               </a:rPr>
-              <a:t>33%</a:t>
-            </a:r>
-            <a:r>
-              <a:rPr lang="en-AU" sz="800" b="1" dirty="0" smtClean="0">
-                <a:solidFill>
-                  <a:schemeClr val="accent6"/>
-                </a:solidFill>
-                <a:latin typeface="Arial Black" pitchFamily="34" charset="0"/>
-              </a:rPr>
-              <a:t>;  #</a:t>
+              <a:t>80% , #</a:t>
             </a:r>
             <a:r>
               <a:rPr lang="en-AU" sz="800" b="1" dirty="0" err="1" smtClean="0">
@@ -4897,16 +5026,7 @@
                 </a:solidFill>
                 <a:latin typeface="Arial Black" pitchFamily="34" charset="0"/>
               </a:rPr>
-              <a:t>fff</a:t>
-            </a:r>
-            <a:r>
-              <a:rPr lang="en-AU" sz="800" b="1" dirty="0" err="1" smtClean="0">
-                <a:solidFill>
-                  <a:schemeClr val="accent6"/>
-                </a:solidFill>
-                <a:latin typeface="Arial Black" pitchFamily="34" charset="0"/>
-              </a:rPr>
-              <a:t>fff</a:t>
+              <a:t>dfdfff</a:t>
             </a:r>
             <a:endParaRPr lang="en-US" sz="800" b="1" dirty="0">
               <a:solidFill>
@@ -4917,10 +5037,2693 @@
           </a:p>
         </p:txBody>
       </p:sp>
+      <p:cxnSp>
+        <p:nvCxnSpPr>
+          <p:cNvPr id="20" name="Straight Arrow Connector 19"/>
+          <p:cNvCxnSpPr>
+            <a:endCxn id="21" idx="0"/>
+          </p:cNvCxnSpPr>
+          <p:nvPr/>
+        </p:nvCxnSpPr>
+        <p:spPr>
+          <a:xfrm>
+            <a:off x="8064388" y="2276872"/>
+            <a:ext cx="0" cy="1872208"/>
+          </a:xfrm>
+          <a:prstGeom prst="straightConnector1">
+            <a:avLst/>
+          </a:prstGeom>
+          <a:ln>
+            <a:solidFill>
+              <a:schemeClr val="tx1"/>
+            </a:solidFill>
+            <a:tailEnd type="arrow"/>
+          </a:ln>
+        </p:spPr>
+        <p:style>
+          <a:lnRef idx="1">
+            <a:schemeClr val="accent1"/>
+          </a:lnRef>
+          <a:fillRef idx="0">
+            <a:schemeClr val="accent1"/>
+          </a:fillRef>
+          <a:effectRef idx="0">
+            <a:schemeClr val="accent1"/>
+          </a:effectRef>
+          <a:fontRef idx="minor">
+            <a:schemeClr val="tx1"/>
+          </a:fontRef>
+        </p:style>
+      </p:cxnSp>
+      <p:cxnSp>
+        <p:nvCxnSpPr>
+          <p:cNvPr id="25" name="Straight Arrow Connector 24"/>
+          <p:cNvCxnSpPr/>
+          <p:nvPr/>
+        </p:nvCxnSpPr>
+        <p:spPr>
+          <a:xfrm flipV="1">
+            <a:off x="7740352" y="4364524"/>
+            <a:ext cx="0" cy="2160820"/>
+          </a:xfrm>
+          <a:prstGeom prst="straightConnector1">
+            <a:avLst/>
+          </a:prstGeom>
+          <a:ln>
+            <a:solidFill>
+              <a:schemeClr val="tx1"/>
+            </a:solidFill>
+            <a:tailEnd type="arrow"/>
+          </a:ln>
+        </p:spPr>
+        <p:style>
+          <a:lnRef idx="1">
+            <a:schemeClr val="accent1"/>
+          </a:lnRef>
+          <a:fillRef idx="0">
+            <a:schemeClr val="accent1"/>
+          </a:fillRef>
+          <a:effectRef idx="0">
+            <a:schemeClr val="accent1"/>
+          </a:effectRef>
+          <a:fontRef idx="minor">
+            <a:schemeClr val="tx1"/>
+          </a:fontRef>
+        </p:style>
+      </p:cxnSp>
+      <p:sp>
+        <p:nvSpPr>
+          <p:cNvPr id="28" name="TextBox 27"/>
+          <p:cNvSpPr txBox="1"/>
+          <p:nvPr/>
+        </p:nvSpPr>
+        <p:spPr>
+          <a:xfrm>
+            <a:off x="1619672" y="3305411"/>
+            <a:ext cx="1857388" cy="215444"/>
+          </a:xfrm>
+          <a:prstGeom prst="rect">
+            <a:avLst/>
+          </a:prstGeom>
+        </p:spPr>
+        <p:style>
+          <a:lnRef idx="1">
+            <a:schemeClr val="dk1"/>
+          </a:lnRef>
+          <a:fillRef idx="3">
+            <a:schemeClr val="dk1"/>
+          </a:fillRef>
+          <a:effectRef idx="2">
+            <a:schemeClr val="dk1"/>
+          </a:effectRef>
+          <a:fontRef idx="minor">
+            <a:schemeClr val="lt1"/>
+          </a:fontRef>
+        </p:style>
+        <p:txBody>
+          <a:bodyPr wrap="square" rtlCol="0">
+            <a:spAutoFit/>
+          </a:bodyPr>
+          <a:lstStyle/>
+          <a:p>
+            <a:r>
+              <a:rPr lang="en-AU" sz="800" b="1" dirty="0" smtClean="0">
+                <a:solidFill>
+                  <a:schemeClr val="accent6"/>
+                </a:solidFill>
+                <a:latin typeface="Arial Black" pitchFamily="34" charset="0"/>
+              </a:rPr>
+              <a:t>Arial Narrow, </a:t>
+            </a:r>
+            <a:r>
+              <a:rPr lang="en-AU" sz="800" b="1" dirty="0" smtClean="0">
+                <a:solidFill>
+                  <a:schemeClr val="accent6"/>
+                </a:solidFill>
+                <a:latin typeface="Arial Black" pitchFamily="34" charset="0"/>
+              </a:rPr>
+              <a:t>9; #0f0f7f</a:t>
+            </a:r>
+            <a:endParaRPr lang="en-US" sz="800" b="1" dirty="0">
+              <a:solidFill>
+                <a:schemeClr val="accent6"/>
+              </a:solidFill>
+              <a:latin typeface="Arial Black" pitchFamily="34" charset="0"/>
+            </a:endParaRPr>
+          </a:p>
+        </p:txBody>
+      </p:sp>
+      <p:sp>
+        <p:nvSpPr>
+          <p:cNvPr id="29" name="TextBox 28"/>
+          <p:cNvSpPr txBox="1"/>
+          <p:nvPr/>
+        </p:nvSpPr>
+        <p:spPr>
+          <a:xfrm>
+            <a:off x="2037853" y="4149080"/>
+            <a:ext cx="1857388" cy="215444"/>
+          </a:xfrm>
+          <a:prstGeom prst="rect">
+            <a:avLst/>
+          </a:prstGeom>
+        </p:spPr>
+        <p:style>
+          <a:lnRef idx="1">
+            <a:schemeClr val="dk1"/>
+          </a:lnRef>
+          <a:fillRef idx="3">
+            <a:schemeClr val="dk1"/>
+          </a:fillRef>
+          <a:effectRef idx="2">
+            <a:schemeClr val="dk1"/>
+          </a:effectRef>
+          <a:fontRef idx="minor">
+            <a:schemeClr val="lt1"/>
+          </a:fontRef>
+        </p:style>
+        <p:txBody>
+          <a:bodyPr wrap="square" rtlCol="0">
+            <a:spAutoFit/>
+          </a:bodyPr>
+          <a:lstStyle/>
+          <a:p>
+            <a:r>
+              <a:rPr lang="en-AU" sz="800" b="1" dirty="0" smtClean="0">
+                <a:solidFill>
+                  <a:schemeClr val="accent6"/>
+                </a:solidFill>
+                <a:latin typeface="Arial Black" pitchFamily="34" charset="0"/>
+              </a:rPr>
+              <a:t>Arial Narrow, </a:t>
+            </a:r>
+            <a:r>
+              <a:rPr lang="en-AU" sz="800" b="1" dirty="0" smtClean="0">
+                <a:solidFill>
+                  <a:schemeClr val="accent6"/>
+                </a:solidFill>
+                <a:latin typeface="Arial Black" pitchFamily="34" charset="0"/>
+              </a:rPr>
+              <a:t>9; #0f0f7f</a:t>
+            </a:r>
+            <a:endParaRPr lang="en-US" sz="800" b="1" dirty="0">
+              <a:solidFill>
+                <a:schemeClr val="accent6"/>
+              </a:solidFill>
+              <a:latin typeface="Arial Black" pitchFamily="34" charset="0"/>
+            </a:endParaRPr>
+          </a:p>
+        </p:txBody>
+      </p:sp>
+      <p:sp>
+        <p:nvSpPr>
+          <p:cNvPr id="30" name="TextBox 29"/>
+          <p:cNvSpPr txBox="1"/>
+          <p:nvPr/>
+        </p:nvSpPr>
+        <p:spPr>
+          <a:xfrm>
+            <a:off x="2668466" y="4581128"/>
+            <a:ext cx="1857388" cy="215444"/>
+          </a:xfrm>
+          <a:prstGeom prst="rect">
+            <a:avLst/>
+          </a:prstGeom>
+        </p:spPr>
+        <p:style>
+          <a:lnRef idx="1">
+            <a:schemeClr val="dk1"/>
+          </a:lnRef>
+          <a:fillRef idx="3">
+            <a:schemeClr val="dk1"/>
+          </a:fillRef>
+          <a:effectRef idx="2">
+            <a:schemeClr val="dk1"/>
+          </a:effectRef>
+          <a:fontRef idx="minor">
+            <a:schemeClr val="lt1"/>
+          </a:fontRef>
+        </p:style>
+        <p:txBody>
+          <a:bodyPr wrap="square" rtlCol="0">
+            <a:spAutoFit/>
+          </a:bodyPr>
+          <a:lstStyle/>
+          <a:p>
+            <a:r>
+              <a:rPr lang="en-AU" sz="800" b="1" dirty="0" smtClean="0">
+                <a:solidFill>
+                  <a:schemeClr val="accent6"/>
+                </a:solidFill>
+                <a:latin typeface="Arial Black" pitchFamily="34" charset="0"/>
+              </a:rPr>
+              <a:t>Arial Narrow, </a:t>
+            </a:r>
+            <a:r>
+              <a:rPr lang="en-AU" sz="800" b="1" dirty="0" smtClean="0">
+                <a:solidFill>
+                  <a:schemeClr val="accent6"/>
+                </a:solidFill>
+                <a:latin typeface="Arial Black" pitchFamily="34" charset="0"/>
+              </a:rPr>
+              <a:t>9; #0f0f7f</a:t>
+            </a:r>
+            <a:endParaRPr lang="en-US" sz="800" b="1" dirty="0">
+              <a:solidFill>
+                <a:schemeClr val="accent6"/>
+              </a:solidFill>
+              <a:latin typeface="Arial Black" pitchFamily="34" charset="0"/>
+            </a:endParaRPr>
+          </a:p>
+        </p:txBody>
+      </p:sp>
+      <p:sp>
+        <p:nvSpPr>
+          <p:cNvPr id="31" name="TextBox 30"/>
+          <p:cNvSpPr txBox="1"/>
+          <p:nvPr/>
+        </p:nvSpPr>
+        <p:spPr>
+          <a:xfrm>
+            <a:off x="3477060" y="5157192"/>
+            <a:ext cx="1857388" cy="215444"/>
+          </a:xfrm>
+          <a:prstGeom prst="rect">
+            <a:avLst/>
+          </a:prstGeom>
+        </p:spPr>
+        <p:style>
+          <a:lnRef idx="1">
+            <a:schemeClr val="dk1"/>
+          </a:lnRef>
+          <a:fillRef idx="3">
+            <a:schemeClr val="dk1"/>
+          </a:fillRef>
+          <a:effectRef idx="2">
+            <a:schemeClr val="dk1"/>
+          </a:effectRef>
+          <a:fontRef idx="minor">
+            <a:schemeClr val="lt1"/>
+          </a:fontRef>
+        </p:style>
+        <p:txBody>
+          <a:bodyPr wrap="square" rtlCol="0">
+            <a:spAutoFit/>
+          </a:bodyPr>
+          <a:lstStyle/>
+          <a:p>
+            <a:r>
+              <a:rPr lang="en-AU" sz="800" b="1" dirty="0" smtClean="0">
+                <a:solidFill>
+                  <a:schemeClr val="accent6"/>
+                </a:solidFill>
+                <a:latin typeface="Arial Black" pitchFamily="34" charset="0"/>
+              </a:rPr>
+              <a:t>Arial Narrow, </a:t>
+            </a:r>
+            <a:r>
+              <a:rPr lang="en-AU" sz="800" b="1" dirty="0" smtClean="0">
+                <a:solidFill>
+                  <a:schemeClr val="accent6"/>
+                </a:solidFill>
+                <a:latin typeface="Arial Black" pitchFamily="34" charset="0"/>
+              </a:rPr>
+              <a:t>9; #0f0f7f</a:t>
+            </a:r>
+            <a:endParaRPr lang="en-US" sz="800" b="1" dirty="0">
+              <a:solidFill>
+                <a:schemeClr val="accent6"/>
+              </a:solidFill>
+              <a:latin typeface="Arial Black" pitchFamily="34" charset="0"/>
+            </a:endParaRPr>
+          </a:p>
+        </p:txBody>
+      </p:sp>
+      <p:cxnSp>
+        <p:nvCxnSpPr>
+          <p:cNvPr id="27" name="Straight Arrow Connector 26"/>
+          <p:cNvCxnSpPr>
+            <a:endCxn id="28" idx="1"/>
+          </p:cNvCxnSpPr>
+          <p:nvPr/>
+        </p:nvCxnSpPr>
+        <p:spPr>
+          <a:xfrm>
+            <a:off x="1043608" y="3413133"/>
+            <a:ext cx="576064" cy="0"/>
+          </a:xfrm>
+          <a:prstGeom prst="straightConnector1">
+            <a:avLst/>
+          </a:prstGeom>
+          <a:ln>
+            <a:solidFill>
+              <a:schemeClr val="tx1"/>
+            </a:solidFill>
+            <a:tailEnd type="arrow"/>
+          </a:ln>
+        </p:spPr>
+        <p:style>
+          <a:lnRef idx="1">
+            <a:schemeClr val="accent1"/>
+          </a:lnRef>
+          <a:fillRef idx="0">
+            <a:schemeClr val="accent1"/>
+          </a:fillRef>
+          <a:effectRef idx="0">
+            <a:schemeClr val="accent1"/>
+          </a:effectRef>
+          <a:fontRef idx="minor">
+            <a:schemeClr val="tx1"/>
+          </a:fontRef>
+        </p:style>
+      </p:cxnSp>
+      <p:cxnSp>
+        <p:nvCxnSpPr>
+          <p:cNvPr id="33" name="Straight Arrow Connector 32"/>
+          <p:cNvCxnSpPr>
+            <a:endCxn id="29" idx="1"/>
+          </p:cNvCxnSpPr>
+          <p:nvPr/>
+        </p:nvCxnSpPr>
+        <p:spPr>
+          <a:xfrm>
+            <a:off x="1475656" y="4256802"/>
+            <a:ext cx="562197" cy="0"/>
+          </a:xfrm>
+          <a:prstGeom prst="straightConnector1">
+            <a:avLst/>
+          </a:prstGeom>
+          <a:ln>
+            <a:solidFill>
+              <a:schemeClr val="tx1"/>
+            </a:solidFill>
+            <a:tailEnd type="arrow"/>
+          </a:ln>
+        </p:spPr>
+        <p:style>
+          <a:lnRef idx="1">
+            <a:schemeClr val="accent1"/>
+          </a:lnRef>
+          <a:fillRef idx="0">
+            <a:schemeClr val="accent1"/>
+          </a:fillRef>
+          <a:effectRef idx="0">
+            <a:schemeClr val="accent1"/>
+          </a:effectRef>
+          <a:fontRef idx="minor">
+            <a:schemeClr val="tx1"/>
+          </a:fontRef>
+        </p:style>
+      </p:cxnSp>
+      <p:cxnSp>
+        <p:nvCxnSpPr>
+          <p:cNvPr id="35" name="Straight Arrow Connector 34"/>
+          <p:cNvCxnSpPr/>
+          <p:nvPr/>
+        </p:nvCxnSpPr>
+        <p:spPr>
+          <a:xfrm>
+            <a:off x="1619672" y="4688850"/>
+            <a:ext cx="1048794" cy="0"/>
+          </a:xfrm>
+          <a:prstGeom prst="straightConnector1">
+            <a:avLst/>
+          </a:prstGeom>
+          <a:ln>
+            <a:solidFill>
+              <a:schemeClr val="tx1"/>
+            </a:solidFill>
+            <a:tailEnd type="arrow"/>
+          </a:ln>
+        </p:spPr>
+        <p:style>
+          <a:lnRef idx="1">
+            <a:schemeClr val="accent1"/>
+          </a:lnRef>
+          <a:fillRef idx="0">
+            <a:schemeClr val="accent1"/>
+          </a:fillRef>
+          <a:effectRef idx="0">
+            <a:schemeClr val="accent1"/>
+          </a:effectRef>
+          <a:fontRef idx="minor">
+            <a:schemeClr val="tx1"/>
+          </a:fontRef>
+        </p:style>
+      </p:cxnSp>
+      <p:cxnSp>
+        <p:nvCxnSpPr>
+          <p:cNvPr id="37" name="Straight Arrow Connector 36"/>
+          <p:cNvCxnSpPr/>
+          <p:nvPr/>
+        </p:nvCxnSpPr>
+        <p:spPr>
+          <a:xfrm>
+            <a:off x="1756754" y="5372636"/>
+            <a:ext cx="1675442" cy="0"/>
+          </a:xfrm>
+          <a:prstGeom prst="straightConnector1">
+            <a:avLst/>
+          </a:prstGeom>
+          <a:ln>
+            <a:solidFill>
+              <a:schemeClr val="tx1"/>
+            </a:solidFill>
+            <a:tailEnd type="arrow"/>
+          </a:ln>
+        </p:spPr>
+        <p:style>
+          <a:lnRef idx="1">
+            <a:schemeClr val="accent1"/>
+          </a:lnRef>
+          <a:fillRef idx="0">
+            <a:schemeClr val="accent1"/>
+          </a:fillRef>
+          <a:effectRef idx="0">
+            <a:schemeClr val="accent1"/>
+          </a:effectRef>
+          <a:fontRef idx="minor">
+            <a:schemeClr val="tx1"/>
+          </a:fontRef>
+        </p:style>
+      </p:cxnSp>
+      <p:cxnSp>
+        <p:nvCxnSpPr>
+          <p:cNvPr id="39" name="Straight Connector 38"/>
+          <p:cNvCxnSpPr/>
+          <p:nvPr/>
+        </p:nvCxnSpPr>
+        <p:spPr>
+          <a:xfrm>
+            <a:off x="1331640" y="2852936"/>
+            <a:ext cx="2563601" cy="0"/>
+          </a:xfrm>
+          <a:prstGeom prst="line">
+            <a:avLst/>
+          </a:prstGeom>
+          <a:ln>
+            <a:solidFill>
+              <a:schemeClr val="tx1"/>
+            </a:solidFill>
+          </a:ln>
+        </p:spPr>
+        <p:style>
+          <a:lnRef idx="1">
+            <a:schemeClr val="accent1"/>
+          </a:lnRef>
+          <a:fillRef idx="0">
+            <a:schemeClr val="accent1"/>
+          </a:fillRef>
+          <a:effectRef idx="0">
+            <a:schemeClr val="accent1"/>
+          </a:effectRef>
+          <a:fontRef idx="minor">
+            <a:schemeClr val="tx1"/>
+          </a:fontRef>
+        </p:style>
+      </p:cxnSp>
+      <p:cxnSp>
+        <p:nvCxnSpPr>
+          <p:cNvPr id="43" name="Straight Arrow Connector 42"/>
+          <p:cNvCxnSpPr/>
+          <p:nvPr/>
+        </p:nvCxnSpPr>
+        <p:spPr>
+          <a:xfrm flipV="1">
+            <a:off x="3895241" y="2780348"/>
+            <a:ext cx="0" cy="72588"/>
+          </a:xfrm>
+          <a:prstGeom prst="straightConnector1">
+            <a:avLst/>
+          </a:prstGeom>
+          <a:ln>
+            <a:solidFill>
+              <a:schemeClr val="tx1"/>
+            </a:solidFill>
+            <a:tailEnd type="arrow"/>
+          </a:ln>
+        </p:spPr>
+        <p:style>
+          <a:lnRef idx="1">
+            <a:schemeClr val="accent1"/>
+          </a:lnRef>
+          <a:fillRef idx="0">
+            <a:schemeClr val="accent1"/>
+          </a:fillRef>
+          <a:effectRef idx="0">
+            <a:schemeClr val="accent1"/>
+          </a:effectRef>
+          <a:fontRef idx="minor">
+            <a:schemeClr val="tx1"/>
+          </a:fontRef>
+        </p:style>
+      </p:cxnSp>
+      <p:sp>
+        <p:nvSpPr>
+          <p:cNvPr id="46" name="TextBox 45"/>
+          <p:cNvSpPr txBox="1"/>
+          <p:nvPr/>
+        </p:nvSpPr>
+        <p:spPr>
+          <a:xfrm>
+            <a:off x="5334448" y="4041358"/>
+            <a:ext cx="1857388" cy="215444"/>
+          </a:xfrm>
+          <a:prstGeom prst="rect">
+            <a:avLst/>
+          </a:prstGeom>
+        </p:spPr>
+        <p:style>
+          <a:lnRef idx="1">
+            <a:schemeClr val="dk1"/>
+          </a:lnRef>
+          <a:fillRef idx="3">
+            <a:schemeClr val="dk1"/>
+          </a:fillRef>
+          <a:effectRef idx="2">
+            <a:schemeClr val="dk1"/>
+          </a:effectRef>
+          <a:fontRef idx="minor">
+            <a:schemeClr val="lt1"/>
+          </a:fontRef>
+        </p:style>
+        <p:txBody>
+          <a:bodyPr wrap="square" rtlCol="0">
+            <a:spAutoFit/>
+          </a:bodyPr>
+          <a:lstStyle/>
+          <a:p>
+            <a:r>
+              <a:rPr lang="en-AU" sz="800" b="1" dirty="0" smtClean="0">
+                <a:solidFill>
+                  <a:schemeClr val="accent6"/>
+                </a:solidFill>
+                <a:latin typeface="Arial Black" pitchFamily="34" charset="0"/>
+              </a:rPr>
+              <a:t>Arial Narrow, </a:t>
+            </a:r>
+            <a:r>
+              <a:rPr lang="en-AU" sz="800" b="1" dirty="0" smtClean="0">
+                <a:solidFill>
+                  <a:schemeClr val="accent6"/>
+                </a:solidFill>
+                <a:latin typeface="Arial Black" pitchFamily="34" charset="0"/>
+              </a:rPr>
+              <a:t>8; #7f7fff</a:t>
+            </a:r>
+            <a:endParaRPr lang="en-US" sz="800" b="1" dirty="0">
+              <a:solidFill>
+                <a:schemeClr val="accent6"/>
+              </a:solidFill>
+              <a:latin typeface="Arial Black" pitchFamily="34" charset="0"/>
+            </a:endParaRPr>
+          </a:p>
+        </p:txBody>
+      </p:sp>
+      <p:cxnSp>
+        <p:nvCxnSpPr>
+          <p:cNvPr id="54" name="Straight Arrow Connector 53"/>
+          <p:cNvCxnSpPr/>
+          <p:nvPr/>
+        </p:nvCxnSpPr>
+        <p:spPr>
+          <a:xfrm>
+            <a:off x="6876256" y="3933056"/>
+            <a:ext cx="0" cy="108302"/>
+          </a:xfrm>
+          <a:prstGeom prst="straightConnector1">
+            <a:avLst/>
+          </a:prstGeom>
+          <a:ln>
+            <a:solidFill>
+              <a:schemeClr val="tx1"/>
+            </a:solidFill>
+            <a:tailEnd type="arrow"/>
+          </a:ln>
+        </p:spPr>
+        <p:style>
+          <a:lnRef idx="1">
+            <a:schemeClr val="accent1"/>
+          </a:lnRef>
+          <a:fillRef idx="0">
+            <a:schemeClr val="accent1"/>
+          </a:fillRef>
+          <a:effectRef idx="0">
+            <a:schemeClr val="accent1"/>
+          </a:effectRef>
+          <a:fontRef idx="minor">
+            <a:schemeClr val="tx1"/>
+          </a:fontRef>
+        </p:style>
+      </p:cxnSp>
+      <p:cxnSp>
+        <p:nvCxnSpPr>
+          <p:cNvPr id="56" name="Straight Connector 55"/>
+          <p:cNvCxnSpPr/>
+          <p:nvPr/>
+        </p:nvCxnSpPr>
+        <p:spPr>
+          <a:xfrm flipH="1">
+            <a:off x="6660232" y="3933056"/>
+            <a:ext cx="216024" cy="0"/>
+          </a:xfrm>
+          <a:prstGeom prst="line">
+            <a:avLst/>
+          </a:prstGeom>
+          <a:ln>
+            <a:solidFill>
+              <a:schemeClr val="tx1"/>
+            </a:solidFill>
+          </a:ln>
+        </p:spPr>
+        <p:style>
+          <a:lnRef idx="1">
+            <a:schemeClr val="accent1"/>
+          </a:lnRef>
+          <a:fillRef idx="0">
+            <a:schemeClr val="accent1"/>
+          </a:fillRef>
+          <a:effectRef idx="0">
+            <a:schemeClr val="accent1"/>
+          </a:effectRef>
+          <a:fontRef idx="minor">
+            <a:schemeClr val="tx1"/>
+          </a:fontRef>
+        </p:style>
+      </p:cxnSp>
+      <p:sp>
+        <p:nvSpPr>
+          <p:cNvPr id="59" name="TextBox 58"/>
+          <p:cNvSpPr txBox="1"/>
+          <p:nvPr/>
+        </p:nvSpPr>
+        <p:spPr>
+          <a:xfrm>
+            <a:off x="2118350" y="5733256"/>
+            <a:ext cx="1857388" cy="215444"/>
+          </a:xfrm>
+          <a:prstGeom prst="rect">
+            <a:avLst/>
+          </a:prstGeom>
+        </p:spPr>
+        <p:style>
+          <a:lnRef idx="1">
+            <a:schemeClr val="dk1"/>
+          </a:lnRef>
+          <a:fillRef idx="3">
+            <a:schemeClr val="dk1"/>
+          </a:fillRef>
+          <a:effectRef idx="2">
+            <a:schemeClr val="dk1"/>
+          </a:effectRef>
+          <a:fontRef idx="minor">
+            <a:schemeClr val="lt1"/>
+          </a:fontRef>
+        </p:style>
+        <p:txBody>
+          <a:bodyPr wrap="square" rtlCol="0">
+            <a:spAutoFit/>
+          </a:bodyPr>
+          <a:lstStyle/>
+          <a:p>
+            <a:r>
+              <a:rPr lang="en-AU" sz="800" b="1" dirty="0" smtClean="0">
+                <a:solidFill>
+                  <a:schemeClr val="accent6"/>
+                </a:solidFill>
+                <a:latin typeface="Arial Black" pitchFamily="34" charset="0"/>
+              </a:rPr>
+              <a:t>Arial Narrow, </a:t>
+            </a:r>
+            <a:r>
+              <a:rPr lang="en-AU" sz="800" b="1" dirty="0" smtClean="0">
+                <a:solidFill>
+                  <a:schemeClr val="accent6"/>
+                </a:solidFill>
+                <a:latin typeface="Arial Black" pitchFamily="34" charset="0"/>
+              </a:rPr>
+              <a:t>9; #0f0f7f</a:t>
+            </a:r>
+            <a:endParaRPr lang="en-US" sz="800" b="1" dirty="0">
+              <a:solidFill>
+                <a:schemeClr val="accent6"/>
+              </a:solidFill>
+              <a:latin typeface="Arial Black" pitchFamily="34" charset="0"/>
+            </a:endParaRPr>
+          </a:p>
+        </p:txBody>
+      </p:sp>
+      <p:cxnSp>
+        <p:nvCxnSpPr>
+          <p:cNvPr id="58" name="Straight Arrow Connector 57"/>
+          <p:cNvCxnSpPr/>
+          <p:nvPr/>
+        </p:nvCxnSpPr>
+        <p:spPr>
+          <a:xfrm>
+            <a:off x="1043608" y="5840978"/>
+            <a:ext cx="994245" cy="0"/>
+          </a:xfrm>
+          <a:prstGeom prst="straightConnector1">
+            <a:avLst/>
+          </a:prstGeom>
+          <a:ln>
+            <a:solidFill>
+              <a:schemeClr val="tx1"/>
+            </a:solidFill>
+            <a:tailEnd type="arrow"/>
+          </a:ln>
+        </p:spPr>
+        <p:style>
+          <a:lnRef idx="1">
+            <a:schemeClr val="accent1"/>
+          </a:lnRef>
+          <a:fillRef idx="0">
+            <a:schemeClr val="accent1"/>
+          </a:fillRef>
+          <a:effectRef idx="0">
+            <a:schemeClr val="accent1"/>
+          </a:effectRef>
+          <a:fontRef idx="minor">
+            <a:schemeClr val="tx1"/>
+          </a:fontRef>
+        </p:style>
+      </p:cxnSp>
+      <p:sp>
+        <p:nvSpPr>
+          <p:cNvPr id="62" name="TextBox 61"/>
+          <p:cNvSpPr txBox="1"/>
+          <p:nvPr/>
+        </p:nvSpPr>
+        <p:spPr>
+          <a:xfrm>
+            <a:off x="5334448" y="4796572"/>
+            <a:ext cx="1857388" cy="215444"/>
+          </a:xfrm>
+          <a:prstGeom prst="rect">
+            <a:avLst/>
+          </a:prstGeom>
+        </p:spPr>
+        <p:style>
+          <a:lnRef idx="1">
+            <a:schemeClr val="dk1"/>
+          </a:lnRef>
+          <a:fillRef idx="3">
+            <a:schemeClr val="dk1"/>
+          </a:fillRef>
+          <a:effectRef idx="2">
+            <a:schemeClr val="dk1"/>
+          </a:effectRef>
+          <a:fontRef idx="minor">
+            <a:schemeClr val="lt1"/>
+          </a:fontRef>
+        </p:style>
+        <p:txBody>
+          <a:bodyPr wrap="square" rtlCol="0">
+            <a:spAutoFit/>
+          </a:bodyPr>
+          <a:lstStyle/>
+          <a:p>
+            <a:r>
+              <a:rPr lang="en-AU" sz="800" b="1" dirty="0" smtClean="0">
+                <a:solidFill>
+                  <a:schemeClr val="accent6"/>
+                </a:solidFill>
+                <a:latin typeface="Arial Black" pitchFamily="34" charset="0"/>
+              </a:rPr>
+              <a:t>Arial Narrow, </a:t>
+            </a:r>
+            <a:r>
+              <a:rPr lang="en-AU" sz="800" b="1" dirty="0" smtClean="0">
+                <a:solidFill>
+                  <a:schemeClr val="accent6"/>
+                </a:solidFill>
+                <a:latin typeface="Arial Black" pitchFamily="34" charset="0"/>
+              </a:rPr>
+              <a:t>8; #7f7fff</a:t>
+            </a:r>
+            <a:endParaRPr lang="en-US" sz="800" b="1" dirty="0">
+              <a:solidFill>
+                <a:schemeClr val="accent6"/>
+              </a:solidFill>
+              <a:latin typeface="Arial Black" pitchFamily="34" charset="0"/>
+            </a:endParaRPr>
+          </a:p>
+        </p:txBody>
+      </p:sp>
+      <p:cxnSp>
+        <p:nvCxnSpPr>
+          <p:cNvPr id="1024" name="Elbow Connector 1023"/>
+          <p:cNvCxnSpPr/>
+          <p:nvPr/>
+        </p:nvCxnSpPr>
+        <p:spPr>
+          <a:xfrm flipV="1">
+            <a:off x="3203848" y="4869160"/>
+            <a:ext cx="2130600" cy="252898"/>
+          </a:xfrm>
+          <a:prstGeom prst="bentConnector3">
+            <a:avLst/>
+          </a:prstGeom>
+          <a:ln>
+            <a:solidFill>
+              <a:schemeClr val="tx1"/>
+            </a:solidFill>
+            <a:tailEnd type="arrow"/>
+          </a:ln>
+        </p:spPr>
+        <p:style>
+          <a:lnRef idx="1">
+            <a:schemeClr val="accent1"/>
+          </a:lnRef>
+          <a:fillRef idx="0">
+            <a:schemeClr val="accent1"/>
+          </a:fillRef>
+          <a:effectRef idx="0">
+            <a:schemeClr val="accent1"/>
+          </a:effectRef>
+          <a:fontRef idx="minor">
+            <a:schemeClr val="tx1"/>
+          </a:fontRef>
+        </p:style>
+      </p:cxnSp>
+      <p:sp>
+        <p:nvSpPr>
+          <p:cNvPr id="69" name="TextBox 68"/>
+          <p:cNvSpPr txBox="1"/>
+          <p:nvPr/>
+        </p:nvSpPr>
+        <p:spPr>
+          <a:xfrm>
+            <a:off x="5334448" y="6165304"/>
+            <a:ext cx="1857388" cy="215444"/>
+          </a:xfrm>
+          <a:prstGeom prst="rect">
+            <a:avLst/>
+          </a:prstGeom>
+        </p:spPr>
+        <p:style>
+          <a:lnRef idx="1">
+            <a:schemeClr val="dk1"/>
+          </a:lnRef>
+          <a:fillRef idx="3">
+            <a:schemeClr val="dk1"/>
+          </a:fillRef>
+          <a:effectRef idx="2">
+            <a:schemeClr val="dk1"/>
+          </a:effectRef>
+          <a:fontRef idx="minor">
+            <a:schemeClr val="lt1"/>
+          </a:fontRef>
+        </p:style>
+        <p:txBody>
+          <a:bodyPr wrap="square" rtlCol="0">
+            <a:spAutoFit/>
+          </a:bodyPr>
+          <a:lstStyle/>
+          <a:p>
+            <a:r>
+              <a:rPr lang="en-AU" sz="800" b="1" dirty="0" smtClean="0">
+                <a:solidFill>
+                  <a:schemeClr val="accent6"/>
+                </a:solidFill>
+                <a:latin typeface="Arial Black" pitchFamily="34" charset="0"/>
+              </a:rPr>
+              <a:t>Arial </a:t>
+            </a:r>
+            <a:r>
+              <a:rPr lang="en-AU" sz="800" b="1" dirty="0">
+                <a:solidFill>
+                  <a:schemeClr val="accent6"/>
+                </a:solidFill>
+                <a:latin typeface="Arial Black" pitchFamily="34" charset="0"/>
+              </a:rPr>
+              <a:t>Narrow , 9</a:t>
+            </a:r>
+            <a:r>
+              <a:rPr lang="en-AU" sz="800" b="1" dirty="0" smtClean="0">
+                <a:solidFill>
+                  <a:schemeClr val="accent6"/>
+                </a:solidFill>
+                <a:latin typeface="Arial Black" pitchFamily="34" charset="0"/>
+              </a:rPr>
+              <a:t>; #0f0f7f</a:t>
+            </a:r>
+            <a:endParaRPr lang="en-US" sz="800" b="1" dirty="0">
+              <a:solidFill>
+                <a:schemeClr val="accent6"/>
+              </a:solidFill>
+              <a:latin typeface="Arial Black" pitchFamily="34" charset="0"/>
+            </a:endParaRPr>
+          </a:p>
+        </p:txBody>
+      </p:sp>
+      <p:cxnSp>
+        <p:nvCxnSpPr>
+          <p:cNvPr id="1028" name="Straight Arrow Connector 1027"/>
+          <p:cNvCxnSpPr>
+            <a:endCxn id="69" idx="1"/>
+          </p:cNvCxnSpPr>
+          <p:nvPr/>
+        </p:nvCxnSpPr>
+        <p:spPr>
+          <a:xfrm>
+            <a:off x="5004048" y="6273026"/>
+            <a:ext cx="330400" cy="0"/>
+          </a:xfrm>
+          <a:prstGeom prst="straightConnector1">
+            <a:avLst/>
+          </a:prstGeom>
+          <a:ln>
+            <a:solidFill>
+              <a:schemeClr val="tx1"/>
+            </a:solidFill>
+            <a:tailEnd type="arrow"/>
+          </a:ln>
+        </p:spPr>
+        <p:style>
+          <a:lnRef idx="1">
+            <a:schemeClr val="accent1"/>
+          </a:lnRef>
+          <a:fillRef idx="0">
+            <a:schemeClr val="accent1"/>
+          </a:fillRef>
+          <a:effectRef idx="0">
+            <a:schemeClr val="accent1"/>
+          </a:effectRef>
+          <a:fontRef idx="minor">
+            <a:schemeClr val="tx1"/>
+          </a:fontRef>
+        </p:style>
+      </p:cxnSp>
+      <p:sp>
+        <p:nvSpPr>
+          <p:cNvPr id="72" name="TextBox 71"/>
+          <p:cNvSpPr txBox="1"/>
+          <p:nvPr/>
+        </p:nvSpPr>
+        <p:spPr>
+          <a:xfrm>
+            <a:off x="7191836" y="5429108"/>
+            <a:ext cx="1857388" cy="338554"/>
+          </a:xfrm>
+          <a:prstGeom prst="rect">
+            <a:avLst/>
+          </a:prstGeom>
+        </p:spPr>
+        <p:style>
+          <a:lnRef idx="1">
+            <a:schemeClr val="dk1"/>
+          </a:lnRef>
+          <a:fillRef idx="3">
+            <a:schemeClr val="dk1"/>
+          </a:fillRef>
+          <a:effectRef idx="2">
+            <a:schemeClr val="dk1"/>
+          </a:effectRef>
+          <a:fontRef idx="minor">
+            <a:schemeClr val="lt1"/>
+          </a:fontRef>
+        </p:style>
+        <p:txBody>
+          <a:bodyPr wrap="square" rtlCol="0">
+            <a:spAutoFit/>
+          </a:bodyPr>
+          <a:lstStyle/>
+          <a:p>
+            <a:r>
+              <a:rPr lang="en-AU" sz="800" b="1" dirty="0" smtClean="0">
+                <a:solidFill>
+                  <a:schemeClr val="accent6"/>
+                </a:solidFill>
+                <a:latin typeface="Arial Black" pitchFamily="34" charset="0"/>
+              </a:rPr>
+              <a:t>Button, Arial </a:t>
+            </a:r>
+            <a:r>
+              <a:rPr lang="en-AU" sz="800" b="1" dirty="0" smtClean="0">
+                <a:solidFill>
+                  <a:schemeClr val="accent6"/>
+                </a:solidFill>
+                <a:latin typeface="Arial Black" pitchFamily="34" charset="0"/>
+              </a:rPr>
+              <a:t>Narrow, Bold, </a:t>
+            </a:r>
+            <a:r>
+              <a:rPr lang="en-AU" sz="800" b="1" dirty="0" smtClean="0">
+                <a:solidFill>
+                  <a:schemeClr val="accent6"/>
+                </a:solidFill>
+                <a:latin typeface="Arial" pitchFamily="34" charset="0"/>
+                <a:cs typeface="Arial" pitchFamily="34" charset="0"/>
+              </a:rPr>
+              <a:t>12</a:t>
+            </a:r>
+            <a:r>
+              <a:rPr lang="en-AU" sz="800" b="1" dirty="0" smtClean="0">
+                <a:solidFill>
+                  <a:schemeClr val="accent6"/>
+                </a:solidFill>
+                <a:latin typeface="Arial Black" pitchFamily="34" charset="0"/>
+              </a:rPr>
+              <a:t>; </a:t>
+            </a:r>
+            <a:r>
+              <a:rPr lang="en-AU" sz="800" b="1" dirty="0" smtClean="0">
+                <a:solidFill>
+                  <a:schemeClr val="accent6"/>
+                </a:solidFill>
+                <a:latin typeface="Arial Black" pitchFamily="34" charset="0"/>
+              </a:rPr>
+              <a:t>#2f2faf</a:t>
+            </a:r>
+            <a:endParaRPr lang="en-US" sz="800" b="1" dirty="0">
+              <a:solidFill>
+                <a:schemeClr val="accent6"/>
+              </a:solidFill>
+              <a:latin typeface="Arial Black" pitchFamily="34" charset="0"/>
+            </a:endParaRPr>
+          </a:p>
+        </p:txBody>
+      </p:sp>
+      <p:cxnSp>
+        <p:nvCxnSpPr>
+          <p:cNvPr id="1030" name="Straight Arrow Connector 1029"/>
+          <p:cNvCxnSpPr/>
+          <p:nvPr/>
+        </p:nvCxnSpPr>
+        <p:spPr>
+          <a:xfrm flipV="1">
+            <a:off x="8316416" y="5767662"/>
+            <a:ext cx="0" cy="397642"/>
+          </a:xfrm>
+          <a:prstGeom prst="straightConnector1">
+            <a:avLst/>
+          </a:prstGeom>
+          <a:ln>
+            <a:solidFill>
+              <a:schemeClr val="tx1"/>
+            </a:solidFill>
+            <a:tailEnd type="arrow"/>
+          </a:ln>
+        </p:spPr>
+        <p:style>
+          <a:lnRef idx="1">
+            <a:schemeClr val="accent1"/>
+          </a:lnRef>
+          <a:fillRef idx="0">
+            <a:schemeClr val="accent1"/>
+          </a:fillRef>
+          <a:effectRef idx="0">
+            <a:schemeClr val="accent1"/>
+          </a:effectRef>
+          <a:fontRef idx="minor">
+            <a:schemeClr val="tx1"/>
+          </a:fontRef>
+        </p:style>
+      </p:cxnSp>
+      <p:cxnSp>
+        <p:nvCxnSpPr>
+          <p:cNvPr id="1033" name="Straight Arrow Connector 1032"/>
+          <p:cNvCxnSpPr/>
+          <p:nvPr/>
+        </p:nvCxnSpPr>
+        <p:spPr>
+          <a:xfrm>
+            <a:off x="3895241" y="6219455"/>
+            <a:ext cx="0" cy="305889"/>
+          </a:xfrm>
+          <a:prstGeom prst="straightConnector1">
+            <a:avLst/>
+          </a:prstGeom>
+          <a:ln>
+            <a:solidFill>
+              <a:schemeClr val="tx1"/>
+            </a:solidFill>
+            <a:tailEnd type="arrow"/>
+          </a:ln>
+        </p:spPr>
+        <p:style>
+          <a:lnRef idx="1">
+            <a:schemeClr val="accent1"/>
+          </a:lnRef>
+          <a:fillRef idx="0">
+            <a:schemeClr val="accent1"/>
+          </a:fillRef>
+          <a:effectRef idx="0">
+            <a:schemeClr val="accent1"/>
+          </a:effectRef>
+          <a:fontRef idx="minor">
+            <a:schemeClr val="tx1"/>
+          </a:fontRef>
+        </p:style>
+      </p:cxnSp>
+      <p:sp>
+        <p:nvSpPr>
+          <p:cNvPr id="78" name="TextBox 77"/>
+          <p:cNvSpPr txBox="1"/>
+          <p:nvPr/>
+        </p:nvSpPr>
+        <p:spPr>
+          <a:xfrm>
+            <a:off x="3477060" y="6525344"/>
+            <a:ext cx="3168352" cy="338554"/>
+          </a:xfrm>
+          <a:prstGeom prst="rect">
+            <a:avLst/>
+          </a:prstGeom>
+        </p:spPr>
+        <p:style>
+          <a:lnRef idx="1">
+            <a:schemeClr val="dk1"/>
+          </a:lnRef>
+          <a:fillRef idx="3">
+            <a:schemeClr val="dk1"/>
+          </a:fillRef>
+          <a:effectRef idx="2">
+            <a:schemeClr val="dk1"/>
+          </a:effectRef>
+          <a:fontRef idx="minor">
+            <a:schemeClr val="lt1"/>
+          </a:fontRef>
+        </p:style>
+        <p:txBody>
+          <a:bodyPr wrap="square" rtlCol="0">
+            <a:spAutoFit/>
+          </a:bodyPr>
+          <a:lstStyle/>
+          <a:p>
+            <a:r>
+              <a:rPr lang="en-US" sz="800" b="1" dirty="0" smtClean="0">
+                <a:solidFill>
+                  <a:schemeClr val="accent6"/>
+                </a:solidFill>
+                <a:latin typeface="Arial Black" pitchFamily="34" charset="0"/>
+              </a:rPr>
+              <a:t>Tick box when blank  fill color #</a:t>
+            </a:r>
+            <a:r>
+              <a:rPr lang="en-US" sz="800" b="1" dirty="0" err="1" smtClean="0">
+                <a:solidFill>
+                  <a:schemeClr val="accent6"/>
+                </a:solidFill>
+                <a:latin typeface="Arial Black" pitchFamily="34" charset="0"/>
+              </a:rPr>
+              <a:t>ffffff</a:t>
+            </a:r>
+            <a:r>
+              <a:rPr lang="en-US" sz="800" b="1" dirty="0" smtClean="0">
+                <a:solidFill>
+                  <a:schemeClr val="accent6"/>
+                </a:solidFill>
+                <a:latin typeface="Arial Black" pitchFamily="34" charset="0"/>
+              </a:rPr>
+              <a:t>, square, border color 9f9fff, when ticked color #0f0f7f</a:t>
+            </a:r>
+            <a:endParaRPr lang="en-US" sz="800" b="1" dirty="0">
+              <a:solidFill>
+                <a:schemeClr val="accent6"/>
+              </a:solidFill>
+              <a:latin typeface="Arial Black" pitchFamily="34" charset="0"/>
+            </a:endParaRPr>
+          </a:p>
+        </p:txBody>
+      </p:sp>
+      <p:sp>
+        <p:nvSpPr>
+          <p:cNvPr id="80" name="TextBox 79"/>
+          <p:cNvSpPr txBox="1"/>
+          <p:nvPr/>
+        </p:nvSpPr>
+        <p:spPr>
+          <a:xfrm>
+            <a:off x="413362" y="6957392"/>
+            <a:ext cx="1857388" cy="215444"/>
+          </a:xfrm>
+          <a:prstGeom prst="rect">
+            <a:avLst/>
+          </a:prstGeom>
+        </p:spPr>
+        <p:style>
+          <a:lnRef idx="1">
+            <a:schemeClr val="dk1"/>
+          </a:lnRef>
+          <a:fillRef idx="3">
+            <a:schemeClr val="dk1"/>
+          </a:fillRef>
+          <a:effectRef idx="2">
+            <a:schemeClr val="dk1"/>
+          </a:effectRef>
+          <a:fontRef idx="minor">
+            <a:schemeClr val="lt1"/>
+          </a:fontRef>
+        </p:style>
+        <p:txBody>
+          <a:bodyPr wrap="square" rtlCol="0">
+            <a:spAutoFit/>
+          </a:bodyPr>
+          <a:lstStyle/>
+          <a:p>
+            <a:r>
+              <a:rPr lang="en-AU" sz="800" b="1" dirty="0" smtClean="0">
+                <a:solidFill>
+                  <a:schemeClr val="accent6"/>
+                </a:solidFill>
+                <a:latin typeface="Arial Black" pitchFamily="34" charset="0"/>
+              </a:rPr>
+              <a:t>Arial Narrow, </a:t>
+            </a:r>
+            <a:r>
+              <a:rPr lang="en-AU" sz="800" b="1" dirty="0" smtClean="0">
+                <a:solidFill>
+                  <a:schemeClr val="accent6"/>
+                </a:solidFill>
+                <a:latin typeface="Arial Black" pitchFamily="34" charset="0"/>
+              </a:rPr>
+              <a:t>9; #0f0f7f</a:t>
+            </a:r>
+            <a:endParaRPr lang="en-US" sz="800" b="1" dirty="0">
+              <a:solidFill>
+                <a:schemeClr val="accent6"/>
+              </a:solidFill>
+              <a:latin typeface="Arial Black" pitchFamily="34" charset="0"/>
+            </a:endParaRPr>
+          </a:p>
+        </p:txBody>
+      </p:sp>
+      <p:cxnSp>
+        <p:nvCxnSpPr>
+          <p:cNvPr id="1036" name="Straight Arrow Connector 1035"/>
+          <p:cNvCxnSpPr/>
+          <p:nvPr/>
+        </p:nvCxnSpPr>
+        <p:spPr>
+          <a:xfrm>
+            <a:off x="1619672" y="6694621"/>
+            <a:ext cx="0" cy="262771"/>
+          </a:xfrm>
+          <a:prstGeom prst="straightConnector1">
+            <a:avLst/>
+          </a:prstGeom>
+          <a:ln>
+            <a:solidFill>
+              <a:schemeClr val="tx1"/>
+            </a:solidFill>
+            <a:tailEnd type="arrow"/>
+          </a:ln>
+        </p:spPr>
+        <p:style>
+          <a:lnRef idx="1">
+            <a:schemeClr val="accent1"/>
+          </a:lnRef>
+          <a:fillRef idx="0">
+            <a:schemeClr val="accent1"/>
+          </a:fillRef>
+          <a:effectRef idx="0">
+            <a:schemeClr val="accent1"/>
+          </a:effectRef>
+          <a:fontRef idx="minor">
+            <a:schemeClr val="tx1"/>
+          </a:fontRef>
+        </p:style>
+      </p:cxnSp>
+      <p:sp>
+        <p:nvSpPr>
+          <p:cNvPr id="84" name="TextBox 83"/>
+          <p:cNvSpPr txBox="1"/>
+          <p:nvPr/>
+        </p:nvSpPr>
+        <p:spPr>
+          <a:xfrm>
+            <a:off x="-3168352" y="6134916"/>
+            <a:ext cx="3168352" cy="338554"/>
+          </a:xfrm>
+          <a:prstGeom prst="rect">
+            <a:avLst/>
+          </a:prstGeom>
+        </p:spPr>
+        <p:style>
+          <a:lnRef idx="1">
+            <a:schemeClr val="dk1"/>
+          </a:lnRef>
+          <a:fillRef idx="3">
+            <a:schemeClr val="dk1"/>
+          </a:fillRef>
+          <a:effectRef idx="2">
+            <a:schemeClr val="dk1"/>
+          </a:effectRef>
+          <a:fontRef idx="minor">
+            <a:schemeClr val="lt1"/>
+          </a:fontRef>
+        </p:style>
+        <p:txBody>
+          <a:bodyPr wrap="square" rtlCol="0">
+            <a:spAutoFit/>
+          </a:bodyPr>
+          <a:lstStyle/>
+          <a:p>
+            <a:r>
+              <a:rPr lang="en-US" sz="800" b="1" dirty="0" smtClean="0">
+                <a:solidFill>
+                  <a:schemeClr val="accent6"/>
+                </a:solidFill>
+                <a:latin typeface="Arial Black" pitchFamily="34" charset="0"/>
+              </a:rPr>
+              <a:t>check box when blank  fill color #</a:t>
+            </a:r>
+            <a:r>
+              <a:rPr lang="en-US" sz="800" b="1" dirty="0" err="1" smtClean="0">
+                <a:solidFill>
+                  <a:schemeClr val="accent6"/>
+                </a:solidFill>
+                <a:latin typeface="Arial Black" pitchFamily="34" charset="0"/>
+              </a:rPr>
+              <a:t>ffffff</a:t>
+            </a:r>
+            <a:r>
+              <a:rPr lang="en-US" sz="800" b="1" dirty="0" smtClean="0">
+                <a:solidFill>
+                  <a:schemeClr val="accent6"/>
+                </a:solidFill>
+                <a:latin typeface="Arial Black" pitchFamily="34" charset="0"/>
+              </a:rPr>
+              <a:t>, round, border color 9f9fff, when </a:t>
+            </a:r>
+            <a:r>
+              <a:rPr lang="en-US" sz="800" b="1" dirty="0" smtClean="0">
+                <a:solidFill>
+                  <a:schemeClr val="accent6"/>
+                </a:solidFill>
+                <a:latin typeface="Arial Black" pitchFamily="34" charset="0"/>
+              </a:rPr>
+              <a:t>chec</a:t>
+            </a:r>
+            <a:r>
+              <a:rPr lang="en-US" sz="800" b="1" dirty="0" smtClean="0">
+                <a:solidFill>
+                  <a:schemeClr val="accent6"/>
+                </a:solidFill>
+                <a:latin typeface="Arial Black" pitchFamily="34" charset="0"/>
+              </a:rPr>
+              <a:t>ked color #0f0f7f</a:t>
+            </a:r>
+            <a:endParaRPr lang="en-US" sz="800" b="1" dirty="0">
+              <a:solidFill>
+                <a:schemeClr val="accent6"/>
+              </a:solidFill>
+              <a:latin typeface="Arial Black" pitchFamily="34" charset="0"/>
+            </a:endParaRPr>
+          </a:p>
+        </p:txBody>
+      </p:sp>
+      <p:cxnSp>
+        <p:nvCxnSpPr>
+          <p:cNvPr id="1039" name="Elbow Connector 1038"/>
+          <p:cNvCxnSpPr/>
+          <p:nvPr/>
+        </p:nvCxnSpPr>
+        <p:spPr>
+          <a:xfrm>
+            <a:off x="-900608" y="6520217"/>
+            <a:ext cx="1313970" cy="221151"/>
+          </a:xfrm>
+          <a:prstGeom prst="bentConnector3">
+            <a:avLst/>
+          </a:prstGeom>
+          <a:ln>
+            <a:solidFill>
+              <a:schemeClr val="tx1"/>
+            </a:solidFill>
+            <a:tailEnd type="arrow"/>
+          </a:ln>
+        </p:spPr>
+        <p:style>
+          <a:lnRef idx="1">
+            <a:schemeClr val="accent1"/>
+          </a:lnRef>
+          <a:fillRef idx="0">
+            <a:schemeClr val="accent1"/>
+          </a:fillRef>
+          <a:effectRef idx="0">
+            <a:schemeClr val="accent1"/>
+          </a:effectRef>
+          <a:fontRef idx="minor">
+            <a:schemeClr val="tx1"/>
+          </a:fontRef>
+        </p:style>
+      </p:cxnSp>
+      <p:sp>
+        <p:nvSpPr>
+          <p:cNvPr id="87" name="TextBox 86"/>
+          <p:cNvSpPr txBox="1"/>
+          <p:nvPr/>
+        </p:nvSpPr>
+        <p:spPr>
+          <a:xfrm>
+            <a:off x="7107100" y="2997532"/>
+            <a:ext cx="1857388" cy="338554"/>
+          </a:xfrm>
+          <a:prstGeom prst="rect">
+            <a:avLst/>
+          </a:prstGeom>
+        </p:spPr>
+        <p:style>
+          <a:lnRef idx="1">
+            <a:schemeClr val="dk1"/>
+          </a:lnRef>
+          <a:fillRef idx="3">
+            <a:schemeClr val="dk1"/>
+          </a:fillRef>
+          <a:effectRef idx="2">
+            <a:schemeClr val="dk1"/>
+          </a:effectRef>
+          <a:fontRef idx="minor">
+            <a:schemeClr val="lt1"/>
+          </a:fontRef>
+        </p:style>
+        <p:txBody>
+          <a:bodyPr wrap="square" rtlCol="0">
+            <a:spAutoFit/>
+          </a:bodyPr>
+          <a:lstStyle/>
+          <a:p>
+            <a:r>
+              <a:rPr lang="en-AU" sz="800" b="1" dirty="0" smtClean="0">
+                <a:solidFill>
+                  <a:schemeClr val="accent6"/>
+                </a:solidFill>
+                <a:latin typeface="Arial Black" pitchFamily="34" charset="0"/>
+              </a:rPr>
+              <a:t>Arial </a:t>
+            </a:r>
+            <a:r>
+              <a:rPr lang="en-AU" sz="800" b="1" dirty="0">
+                <a:solidFill>
+                  <a:schemeClr val="accent6"/>
+                </a:solidFill>
+                <a:latin typeface="Arial Black" pitchFamily="34" charset="0"/>
+              </a:rPr>
+              <a:t>Narrow , 9</a:t>
+            </a:r>
+            <a:r>
+              <a:rPr lang="en-AU" sz="800" b="1" dirty="0" smtClean="0">
+                <a:solidFill>
+                  <a:schemeClr val="accent6"/>
+                </a:solidFill>
+                <a:latin typeface="Arial Black" pitchFamily="34" charset="0"/>
+              </a:rPr>
+              <a:t>; #4f4fcf,(</a:t>
+            </a:r>
+            <a:r>
+              <a:rPr lang="en-AU" sz="800" b="1" dirty="0" err="1" smtClean="0">
+                <a:solidFill>
+                  <a:schemeClr val="accent6"/>
+                </a:solidFill>
+                <a:latin typeface="Arial Black" pitchFamily="34" charset="0"/>
+              </a:rPr>
+              <a:t>sam</a:t>
+            </a:r>
+            <a:r>
+              <a:rPr lang="en-AU" sz="800" b="1" dirty="0" smtClean="0">
+                <a:solidFill>
+                  <a:schemeClr val="accent6"/>
+                </a:solidFill>
+                <a:latin typeface="Arial Black" pitchFamily="34" charset="0"/>
+              </a:rPr>
+              <a:t> e applies to all other fields)</a:t>
+            </a:r>
+            <a:endParaRPr lang="en-US" sz="800" b="1" dirty="0">
+              <a:solidFill>
+                <a:schemeClr val="accent6"/>
+              </a:solidFill>
+              <a:latin typeface="Arial Black" pitchFamily="34" charset="0"/>
+            </a:endParaRPr>
+          </a:p>
+        </p:txBody>
+      </p:sp>
+      <p:cxnSp>
+        <p:nvCxnSpPr>
+          <p:cNvPr id="1041" name="Straight Arrow Connector 1040"/>
+          <p:cNvCxnSpPr>
+            <a:endCxn id="87" idx="1"/>
+          </p:cNvCxnSpPr>
+          <p:nvPr/>
+        </p:nvCxnSpPr>
+        <p:spPr>
+          <a:xfrm>
+            <a:off x="6645412" y="3166809"/>
+            <a:ext cx="461688" cy="0"/>
+          </a:xfrm>
+          <a:prstGeom prst="straightConnector1">
+            <a:avLst/>
+          </a:prstGeom>
+          <a:ln>
+            <a:solidFill>
+              <a:schemeClr val="tx1"/>
+            </a:solidFill>
+            <a:tailEnd type="arrow"/>
+          </a:ln>
+        </p:spPr>
+        <p:style>
+          <a:lnRef idx="1">
+            <a:schemeClr val="accent1"/>
+          </a:lnRef>
+          <a:fillRef idx="0">
+            <a:schemeClr val="accent1"/>
+          </a:fillRef>
+          <a:effectRef idx="0">
+            <a:schemeClr val="accent1"/>
+          </a:effectRef>
+          <a:fontRef idx="minor">
+            <a:schemeClr val="tx1"/>
+          </a:fontRef>
+        </p:style>
+      </p:cxnSp>
+      <p:sp>
+        <p:nvSpPr>
+          <p:cNvPr id="92" name="TextBox 91"/>
+          <p:cNvSpPr txBox="1"/>
+          <p:nvPr/>
+        </p:nvSpPr>
+        <p:spPr>
+          <a:xfrm>
+            <a:off x="-1829302" y="4473406"/>
+            <a:ext cx="1857388" cy="338554"/>
+          </a:xfrm>
+          <a:prstGeom prst="rect">
+            <a:avLst/>
+          </a:prstGeom>
+        </p:spPr>
+        <p:style>
+          <a:lnRef idx="1">
+            <a:schemeClr val="dk1"/>
+          </a:lnRef>
+          <a:fillRef idx="3">
+            <a:schemeClr val="dk1"/>
+          </a:fillRef>
+          <a:effectRef idx="2">
+            <a:schemeClr val="dk1"/>
+          </a:effectRef>
+          <a:fontRef idx="minor">
+            <a:schemeClr val="lt1"/>
+          </a:fontRef>
+        </p:style>
+        <p:txBody>
+          <a:bodyPr wrap="square" rtlCol="0">
+            <a:spAutoFit/>
+          </a:bodyPr>
+          <a:lstStyle/>
+          <a:p>
+            <a:r>
+              <a:rPr lang="en-AU" sz="800" b="1" dirty="0" smtClean="0">
+                <a:solidFill>
+                  <a:schemeClr val="accent6"/>
+                </a:solidFill>
+                <a:latin typeface="Arial Black" pitchFamily="34" charset="0"/>
+              </a:rPr>
+              <a:t>Plus symbol, Arial </a:t>
+            </a:r>
+            <a:r>
+              <a:rPr lang="en-AU" sz="800" b="1" dirty="0" smtClean="0">
+                <a:solidFill>
+                  <a:schemeClr val="accent6"/>
+                </a:solidFill>
+                <a:latin typeface="Arial Black" pitchFamily="34" charset="0"/>
+              </a:rPr>
+              <a:t>Narrow, </a:t>
+            </a:r>
+            <a:r>
+              <a:rPr lang="en-AU" sz="800" b="1" dirty="0" smtClean="0">
+                <a:solidFill>
+                  <a:schemeClr val="accent6"/>
+                </a:solidFill>
+                <a:latin typeface="Arial Black" pitchFamily="34" charset="0"/>
+              </a:rPr>
+              <a:t>9; #0f0f7f</a:t>
+            </a:r>
+            <a:endParaRPr lang="en-US" sz="800" b="1" dirty="0">
+              <a:solidFill>
+                <a:schemeClr val="accent6"/>
+              </a:solidFill>
+              <a:latin typeface="Arial Black" pitchFamily="34" charset="0"/>
+            </a:endParaRPr>
+          </a:p>
+        </p:txBody>
+      </p:sp>
+      <p:cxnSp>
+        <p:nvCxnSpPr>
+          <p:cNvPr id="1045" name="Straight Arrow Connector 1044"/>
+          <p:cNvCxnSpPr>
+            <a:stCxn id="92" idx="3"/>
+          </p:cNvCxnSpPr>
+          <p:nvPr/>
+        </p:nvCxnSpPr>
+        <p:spPr>
+          <a:xfrm>
+            <a:off x="28086" y="4642683"/>
+            <a:ext cx="385276" cy="0"/>
+          </a:xfrm>
+          <a:prstGeom prst="straightConnector1">
+            <a:avLst/>
+          </a:prstGeom>
+          <a:ln>
+            <a:solidFill>
+              <a:schemeClr val="tx1"/>
+            </a:solidFill>
+            <a:tailEnd type="arrow"/>
+          </a:ln>
+        </p:spPr>
+        <p:style>
+          <a:lnRef idx="1">
+            <a:schemeClr val="accent1"/>
+          </a:lnRef>
+          <a:fillRef idx="0">
+            <a:schemeClr val="accent1"/>
+          </a:fillRef>
+          <a:effectRef idx="0">
+            <a:schemeClr val="accent1"/>
+          </a:effectRef>
+          <a:fontRef idx="minor">
+            <a:schemeClr val="tx1"/>
+          </a:fontRef>
+        </p:style>
+      </p:cxnSp>
+      <p:sp>
+        <p:nvSpPr>
+          <p:cNvPr id="96" name="TextBox 95"/>
+          <p:cNvSpPr txBox="1"/>
+          <p:nvPr/>
+        </p:nvSpPr>
+        <p:spPr>
+          <a:xfrm>
+            <a:off x="9756576" y="4581128"/>
+            <a:ext cx="1224136" cy="215444"/>
+          </a:xfrm>
+          <a:prstGeom prst="rect">
+            <a:avLst/>
+          </a:prstGeom>
+        </p:spPr>
+        <p:style>
+          <a:lnRef idx="1">
+            <a:schemeClr val="dk1"/>
+          </a:lnRef>
+          <a:fillRef idx="3">
+            <a:schemeClr val="dk1"/>
+          </a:fillRef>
+          <a:effectRef idx="2">
+            <a:schemeClr val="dk1"/>
+          </a:effectRef>
+          <a:fontRef idx="minor">
+            <a:schemeClr val="lt1"/>
+          </a:fontRef>
+        </p:style>
+        <p:txBody>
+          <a:bodyPr wrap="square" rtlCol="0">
+            <a:spAutoFit/>
+          </a:bodyPr>
+          <a:lstStyle/>
+          <a:p>
+            <a:r>
+              <a:rPr lang="en-AU" sz="800" b="1" dirty="0" smtClean="0">
+                <a:solidFill>
+                  <a:schemeClr val="accent6"/>
+                </a:solidFill>
+                <a:latin typeface="Arial Black" pitchFamily="34" charset="0"/>
+              </a:rPr>
+              <a:t>4</a:t>
+            </a:r>
+            <a:r>
+              <a:rPr lang="en-AU" sz="800" b="1" dirty="0" smtClean="0">
+                <a:solidFill>
+                  <a:schemeClr val="accent6"/>
+                </a:solidFill>
+                <a:latin typeface="Arial Black" pitchFamily="34" charset="0"/>
+              </a:rPr>
+              <a:t>0px, #8f8fff</a:t>
+            </a:r>
+            <a:endParaRPr lang="en-US" sz="800" b="1" dirty="0">
+              <a:solidFill>
+                <a:schemeClr val="accent6"/>
+              </a:solidFill>
+              <a:latin typeface="Arial Black" pitchFamily="34" charset="0"/>
+            </a:endParaRPr>
+          </a:p>
+        </p:txBody>
+      </p:sp>
+      <p:cxnSp>
+        <p:nvCxnSpPr>
+          <p:cNvPr id="1050" name="Straight Arrow Connector 1049"/>
+          <p:cNvCxnSpPr/>
+          <p:nvPr/>
+        </p:nvCxnSpPr>
+        <p:spPr>
+          <a:xfrm>
+            <a:off x="9165839" y="4688850"/>
+            <a:ext cx="590737" cy="0"/>
+          </a:xfrm>
+          <a:prstGeom prst="straightConnector1">
+            <a:avLst/>
+          </a:prstGeom>
+          <a:ln>
+            <a:solidFill>
+              <a:schemeClr val="tx1"/>
+            </a:solidFill>
+            <a:tailEnd type="arrow"/>
+          </a:ln>
+        </p:spPr>
+        <p:style>
+          <a:lnRef idx="1">
+            <a:schemeClr val="accent1"/>
+          </a:lnRef>
+          <a:fillRef idx="0">
+            <a:schemeClr val="accent1"/>
+          </a:fillRef>
+          <a:effectRef idx="0">
+            <a:schemeClr val="accent1"/>
+          </a:effectRef>
+          <a:fontRef idx="minor">
+            <a:schemeClr val="tx1"/>
+          </a:fontRef>
+        </p:style>
+      </p:cxnSp>
     </p:spTree>
     <p:extLst>
       <p:ext uri="{BB962C8B-B14F-4D97-AF65-F5344CB8AC3E}">
         <p14:creationId xmlns:p14="http://schemas.microsoft.com/office/powerpoint/2010/main" val="813474526"/>
+      </p:ext>
+    </p:extLst>
+  </p:cSld>
+  <p:clrMapOvr>
+    <a:masterClrMapping/>
+  </p:clrMapOvr>
+</p:sld>
+</file>
+
+<file path=ppt/slides/slide5.xml><?xml version="1.0" encoding="utf-8"?>
+<p:sld xmlns:a="http://schemas.openxmlformats.org/drawingml/2006/main" xmlns:r="http://schemas.openxmlformats.org/officeDocument/2006/relationships" xmlns:p="http://schemas.openxmlformats.org/presentationml/2006/main">
+  <p:cSld>
+    <p:spTree>
+      <p:nvGrpSpPr>
+        <p:cNvPr id="1" name=""/>
+        <p:cNvGrpSpPr/>
+        <p:nvPr/>
+      </p:nvGrpSpPr>
+      <p:grpSpPr>
+        <a:xfrm>
+          <a:off x="0" y="0"/>
+          <a:ext cx="0" cy="0"/>
+          <a:chOff x="0" y="0"/>
+          <a:chExt cx="0" cy="0"/>
+        </a:xfrm>
+      </p:grpSpPr>
+      <p:pic>
+        <p:nvPicPr>
+          <p:cNvPr id="2050" name="Picture 2"/>
+          <p:cNvPicPr>
+            <a:picLocks noChangeAspect="1" noChangeArrowheads="1"/>
+          </p:cNvPicPr>
+          <p:nvPr/>
+        </p:nvPicPr>
+        <p:blipFill>
+          <a:blip r:embed="rId2">
+            <a:extLst>
+              <a:ext uri="{28A0092B-C50C-407E-A947-70E740481C1C}">
+                <a14:useLocalDpi xmlns:a14="http://schemas.microsoft.com/office/drawing/2010/main" val="0"/>
+              </a:ext>
+            </a:extLst>
+          </a:blip>
+          <a:srcRect/>
+          <a:stretch>
+            <a:fillRect/>
+          </a:stretch>
+        </p:blipFill>
+        <p:spPr bwMode="auto">
+          <a:xfrm>
+            <a:off x="0" y="0"/>
+            <a:ext cx="9239250" cy="6896100"/>
+          </a:xfrm>
+          <a:prstGeom prst="rect">
+            <a:avLst/>
+          </a:prstGeom>
+          <a:noFill/>
+          <a:ln>
+            <a:noFill/>
+          </a:ln>
+          <a:extLst>
+            <a:ext uri="{909E8E84-426E-40DD-AFC4-6F175D3DCCD1}">
+              <a14:hiddenFill xmlns:a14="http://schemas.microsoft.com/office/drawing/2010/main">
+                <a:solidFill>
+                  <a:schemeClr val="accent1"/>
+                </a:solidFill>
+              </a14:hiddenFill>
+            </a:ext>
+            <a:ext uri="{91240B29-F687-4F45-9708-019B960494DF}">
+              <a14:hiddenLine xmlns:a14="http://schemas.microsoft.com/office/drawing/2010/main" w="9525">
+                <a:solidFill>
+                  <a:schemeClr val="tx1"/>
+                </a:solidFill>
+                <a:miter lim="800000"/>
+                <a:headEnd/>
+                <a:tailEnd/>
+              </a14:hiddenLine>
+            </a:ext>
+          </a:extLst>
+        </p:spPr>
+      </p:pic>
+      <p:sp>
+        <p:nvSpPr>
+          <p:cNvPr id="47" name="TextBox 46"/>
+          <p:cNvSpPr txBox="1"/>
+          <p:nvPr/>
+        </p:nvSpPr>
+        <p:spPr>
+          <a:xfrm>
+            <a:off x="3690931" y="1878961"/>
+            <a:ext cx="1857388" cy="338554"/>
+          </a:xfrm>
+          <a:prstGeom prst="rect">
+            <a:avLst/>
+          </a:prstGeom>
+        </p:spPr>
+        <p:style>
+          <a:lnRef idx="1">
+            <a:schemeClr val="dk1"/>
+          </a:lnRef>
+          <a:fillRef idx="3">
+            <a:schemeClr val="dk1"/>
+          </a:fillRef>
+          <a:effectRef idx="2">
+            <a:schemeClr val="dk1"/>
+          </a:effectRef>
+          <a:fontRef idx="minor">
+            <a:schemeClr val="lt1"/>
+          </a:fontRef>
+        </p:style>
+        <p:txBody>
+          <a:bodyPr wrap="square" rtlCol="0">
+            <a:spAutoFit/>
+          </a:bodyPr>
+          <a:lstStyle/>
+          <a:p>
+            <a:r>
+              <a:rPr lang="en-AU" sz="800" b="1" dirty="0" smtClean="0">
+                <a:solidFill>
+                  <a:schemeClr val="accent6"/>
+                </a:solidFill>
+                <a:latin typeface="Arial Black" pitchFamily="34" charset="0"/>
+              </a:rPr>
+              <a:t>Button, Arial </a:t>
+            </a:r>
+            <a:r>
+              <a:rPr lang="en-AU" sz="800" b="1" dirty="0" smtClean="0">
+                <a:solidFill>
+                  <a:schemeClr val="accent6"/>
+                </a:solidFill>
+                <a:latin typeface="Arial Black" pitchFamily="34" charset="0"/>
+              </a:rPr>
+              <a:t>Narrow, Bold, </a:t>
+            </a:r>
+            <a:r>
+              <a:rPr lang="en-AU" sz="800" b="1" dirty="0" smtClean="0">
+                <a:solidFill>
+                  <a:schemeClr val="accent6"/>
+                </a:solidFill>
+                <a:latin typeface="Arial" pitchFamily="34" charset="0"/>
+                <a:cs typeface="Arial" pitchFamily="34" charset="0"/>
+              </a:rPr>
+              <a:t>12</a:t>
+            </a:r>
+            <a:r>
+              <a:rPr lang="en-AU" sz="800" b="1" dirty="0" smtClean="0">
+                <a:solidFill>
+                  <a:schemeClr val="accent6"/>
+                </a:solidFill>
+                <a:latin typeface="Arial Black" pitchFamily="34" charset="0"/>
+              </a:rPr>
+              <a:t>; </a:t>
+            </a:r>
+            <a:r>
+              <a:rPr lang="en-AU" sz="800" b="1" dirty="0" smtClean="0">
+                <a:solidFill>
+                  <a:schemeClr val="accent6"/>
+                </a:solidFill>
+                <a:latin typeface="Arial Black" pitchFamily="34" charset="0"/>
+              </a:rPr>
+              <a:t>#2f2faf</a:t>
+            </a:r>
+            <a:endParaRPr lang="en-US" sz="800" b="1" dirty="0">
+              <a:solidFill>
+                <a:schemeClr val="accent6"/>
+              </a:solidFill>
+              <a:latin typeface="Arial Black" pitchFamily="34" charset="0"/>
+            </a:endParaRPr>
+          </a:p>
+        </p:txBody>
+      </p:sp>
+      <p:cxnSp>
+        <p:nvCxnSpPr>
+          <p:cNvPr id="3" name="Straight Arrow Connector 2"/>
+          <p:cNvCxnSpPr>
+            <a:endCxn id="47" idx="1"/>
+          </p:cNvCxnSpPr>
+          <p:nvPr/>
+        </p:nvCxnSpPr>
+        <p:spPr>
+          <a:xfrm>
+            <a:off x="3419872" y="2048238"/>
+            <a:ext cx="271059" cy="0"/>
+          </a:xfrm>
+          <a:prstGeom prst="straightConnector1">
+            <a:avLst/>
+          </a:prstGeom>
+          <a:ln>
+            <a:solidFill>
+              <a:schemeClr val="tx1"/>
+            </a:solidFill>
+            <a:tailEnd type="arrow"/>
+          </a:ln>
+        </p:spPr>
+        <p:style>
+          <a:lnRef idx="1">
+            <a:schemeClr val="accent1"/>
+          </a:lnRef>
+          <a:fillRef idx="0">
+            <a:schemeClr val="accent1"/>
+          </a:fillRef>
+          <a:effectRef idx="0">
+            <a:schemeClr val="accent1"/>
+          </a:effectRef>
+          <a:fontRef idx="minor">
+            <a:schemeClr val="tx1"/>
+          </a:fontRef>
+        </p:style>
+      </p:cxnSp>
+      <p:cxnSp>
+        <p:nvCxnSpPr>
+          <p:cNvPr id="8" name="Elbow Connector 7"/>
+          <p:cNvCxnSpPr/>
+          <p:nvPr/>
+        </p:nvCxnSpPr>
+        <p:spPr>
+          <a:xfrm>
+            <a:off x="1907704" y="2217515"/>
+            <a:ext cx="2232248" cy="347389"/>
+          </a:xfrm>
+          <a:prstGeom prst="bentConnector3">
+            <a:avLst/>
+          </a:prstGeom>
+          <a:ln>
+            <a:solidFill>
+              <a:schemeClr val="tx1"/>
+            </a:solidFill>
+          </a:ln>
+        </p:spPr>
+        <p:style>
+          <a:lnRef idx="1">
+            <a:schemeClr val="accent1"/>
+          </a:lnRef>
+          <a:fillRef idx="0">
+            <a:schemeClr val="accent1"/>
+          </a:fillRef>
+          <a:effectRef idx="0">
+            <a:schemeClr val="accent1"/>
+          </a:effectRef>
+          <a:fontRef idx="minor">
+            <a:schemeClr val="tx1"/>
+          </a:fontRef>
+        </p:style>
+      </p:cxnSp>
+      <p:cxnSp>
+        <p:nvCxnSpPr>
+          <p:cNvPr id="12" name="Straight Arrow Connector 11"/>
+          <p:cNvCxnSpPr/>
+          <p:nvPr/>
+        </p:nvCxnSpPr>
+        <p:spPr>
+          <a:xfrm flipV="1">
+            <a:off x="4139952" y="2217515"/>
+            <a:ext cx="0" cy="347389"/>
+          </a:xfrm>
+          <a:prstGeom prst="straightConnector1">
+            <a:avLst/>
+          </a:prstGeom>
+          <a:ln>
+            <a:solidFill>
+              <a:schemeClr val="tx1"/>
+            </a:solidFill>
+            <a:tailEnd type="arrow"/>
+          </a:ln>
+        </p:spPr>
+        <p:style>
+          <a:lnRef idx="1">
+            <a:schemeClr val="accent1"/>
+          </a:lnRef>
+          <a:fillRef idx="0">
+            <a:schemeClr val="accent1"/>
+          </a:fillRef>
+          <a:effectRef idx="0">
+            <a:schemeClr val="accent1"/>
+          </a:effectRef>
+          <a:fontRef idx="minor">
+            <a:schemeClr val="tx1"/>
+          </a:fontRef>
+        </p:style>
+      </p:cxnSp>
+      <p:sp>
+        <p:nvSpPr>
+          <p:cNvPr id="55" name="TextBox 54"/>
+          <p:cNvSpPr txBox="1"/>
+          <p:nvPr/>
+        </p:nvSpPr>
+        <p:spPr>
+          <a:xfrm>
+            <a:off x="179512" y="6021288"/>
+            <a:ext cx="1857388" cy="338554"/>
+          </a:xfrm>
+          <a:prstGeom prst="rect">
+            <a:avLst/>
+          </a:prstGeom>
+        </p:spPr>
+        <p:style>
+          <a:lnRef idx="1">
+            <a:schemeClr val="dk1"/>
+          </a:lnRef>
+          <a:fillRef idx="3">
+            <a:schemeClr val="dk1"/>
+          </a:fillRef>
+          <a:effectRef idx="2">
+            <a:schemeClr val="dk1"/>
+          </a:effectRef>
+          <a:fontRef idx="minor">
+            <a:schemeClr val="lt1"/>
+          </a:fontRef>
+        </p:style>
+        <p:txBody>
+          <a:bodyPr wrap="square" rtlCol="0">
+            <a:spAutoFit/>
+          </a:bodyPr>
+          <a:lstStyle/>
+          <a:p>
+            <a:r>
+              <a:rPr lang="en-AU" sz="800" b="1" dirty="0" smtClean="0">
+                <a:solidFill>
+                  <a:schemeClr val="accent6"/>
+                </a:solidFill>
+                <a:latin typeface="Arial Black" pitchFamily="34" charset="0"/>
+              </a:rPr>
+              <a:t>Arial </a:t>
+            </a:r>
+            <a:r>
+              <a:rPr lang="en-AU" sz="800" b="1" dirty="0">
+                <a:solidFill>
+                  <a:schemeClr val="accent6"/>
+                </a:solidFill>
+                <a:latin typeface="Arial Black" pitchFamily="34" charset="0"/>
+              </a:rPr>
+              <a:t>Narrow , 9</a:t>
+            </a:r>
+            <a:r>
+              <a:rPr lang="en-AU" sz="800" b="1" dirty="0" smtClean="0">
+                <a:solidFill>
+                  <a:schemeClr val="accent6"/>
+                </a:solidFill>
+                <a:latin typeface="Arial Black" pitchFamily="34" charset="0"/>
+              </a:rPr>
+              <a:t>; #4f4fcf,(</a:t>
+            </a:r>
+            <a:r>
+              <a:rPr lang="en-AU" sz="800" b="1" dirty="0" err="1" smtClean="0">
+                <a:solidFill>
+                  <a:schemeClr val="accent6"/>
+                </a:solidFill>
+                <a:latin typeface="Arial Black" pitchFamily="34" charset="0"/>
+              </a:rPr>
+              <a:t>sam</a:t>
+            </a:r>
+            <a:r>
+              <a:rPr lang="en-AU" sz="800" b="1" dirty="0" smtClean="0">
+                <a:solidFill>
+                  <a:schemeClr val="accent6"/>
+                </a:solidFill>
+                <a:latin typeface="Arial Black" pitchFamily="34" charset="0"/>
+              </a:rPr>
+              <a:t> e applies to all other fields)</a:t>
+            </a:r>
+            <a:endParaRPr lang="en-US" sz="800" b="1" dirty="0">
+              <a:solidFill>
+                <a:schemeClr val="accent6"/>
+              </a:solidFill>
+              <a:latin typeface="Arial Black" pitchFamily="34" charset="0"/>
+            </a:endParaRPr>
+          </a:p>
+        </p:txBody>
+      </p:sp>
+      <p:cxnSp>
+        <p:nvCxnSpPr>
+          <p:cNvPr id="16" name="Straight Arrow Connector 15"/>
+          <p:cNvCxnSpPr/>
+          <p:nvPr/>
+        </p:nvCxnSpPr>
+        <p:spPr>
+          <a:xfrm>
+            <a:off x="1691680" y="5445224"/>
+            <a:ext cx="0" cy="576064"/>
+          </a:xfrm>
+          <a:prstGeom prst="straightConnector1">
+            <a:avLst/>
+          </a:prstGeom>
+          <a:ln>
+            <a:solidFill>
+              <a:schemeClr val="tx1"/>
+            </a:solidFill>
+            <a:tailEnd type="arrow"/>
+          </a:ln>
+        </p:spPr>
+        <p:style>
+          <a:lnRef idx="1">
+            <a:schemeClr val="accent1"/>
+          </a:lnRef>
+          <a:fillRef idx="0">
+            <a:schemeClr val="accent1"/>
+          </a:fillRef>
+          <a:effectRef idx="0">
+            <a:schemeClr val="accent1"/>
+          </a:effectRef>
+          <a:fontRef idx="minor">
+            <a:schemeClr val="tx1"/>
+          </a:fontRef>
+        </p:style>
+      </p:cxnSp>
+      <p:cxnSp>
+        <p:nvCxnSpPr>
+          <p:cNvPr id="18" name="Straight Arrow Connector 17"/>
+          <p:cNvCxnSpPr/>
+          <p:nvPr/>
+        </p:nvCxnSpPr>
+        <p:spPr>
+          <a:xfrm>
+            <a:off x="755576" y="4293096"/>
+            <a:ext cx="0" cy="1728192"/>
+          </a:xfrm>
+          <a:prstGeom prst="straightConnector1">
+            <a:avLst/>
+          </a:prstGeom>
+          <a:ln>
+            <a:solidFill>
+              <a:schemeClr val="tx1"/>
+            </a:solidFill>
+            <a:tailEnd type="arrow"/>
+          </a:ln>
+        </p:spPr>
+        <p:style>
+          <a:lnRef idx="1">
+            <a:schemeClr val="accent1"/>
+          </a:lnRef>
+          <a:fillRef idx="0">
+            <a:schemeClr val="accent1"/>
+          </a:fillRef>
+          <a:effectRef idx="0">
+            <a:schemeClr val="accent1"/>
+          </a:effectRef>
+          <a:fontRef idx="minor">
+            <a:schemeClr val="tx1"/>
+          </a:fontRef>
+        </p:style>
+      </p:cxnSp>
+      <p:cxnSp>
+        <p:nvCxnSpPr>
+          <p:cNvPr id="22" name="Straight Connector 21"/>
+          <p:cNvCxnSpPr/>
+          <p:nvPr/>
+        </p:nvCxnSpPr>
+        <p:spPr>
+          <a:xfrm>
+            <a:off x="755576" y="4293096"/>
+            <a:ext cx="648072" cy="0"/>
+          </a:xfrm>
+          <a:prstGeom prst="line">
+            <a:avLst/>
+          </a:prstGeom>
+          <a:ln>
+            <a:solidFill>
+              <a:schemeClr val="tx1"/>
+            </a:solidFill>
+          </a:ln>
+        </p:spPr>
+        <p:style>
+          <a:lnRef idx="1">
+            <a:schemeClr val="accent1"/>
+          </a:lnRef>
+          <a:fillRef idx="0">
+            <a:schemeClr val="accent1"/>
+          </a:fillRef>
+          <a:effectRef idx="0">
+            <a:schemeClr val="accent1"/>
+          </a:effectRef>
+          <a:fontRef idx="minor">
+            <a:schemeClr val="tx1"/>
+          </a:fontRef>
+        </p:style>
+      </p:cxnSp>
+      <p:cxnSp>
+        <p:nvCxnSpPr>
+          <p:cNvPr id="24" name="Straight Arrow Connector 23"/>
+          <p:cNvCxnSpPr/>
+          <p:nvPr/>
+        </p:nvCxnSpPr>
+        <p:spPr>
+          <a:xfrm>
+            <a:off x="179512" y="3140968"/>
+            <a:ext cx="0" cy="2880320"/>
+          </a:xfrm>
+          <a:prstGeom prst="straightConnector1">
+            <a:avLst/>
+          </a:prstGeom>
+          <a:ln>
+            <a:solidFill>
+              <a:schemeClr val="tx1"/>
+            </a:solidFill>
+            <a:tailEnd type="arrow"/>
+          </a:ln>
+        </p:spPr>
+        <p:style>
+          <a:lnRef idx="1">
+            <a:schemeClr val="accent1"/>
+          </a:lnRef>
+          <a:fillRef idx="0">
+            <a:schemeClr val="accent1"/>
+          </a:fillRef>
+          <a:effectRef idx="0">
+            <a:schemeClr val="accent1"/>
+          </a:effectRef>
+          <a:fontRef idx="minor">
+            <a:schemeClr val="tx1"/>
+          </a:fontRef>
+        </p:style>
+      </p:cxnSp>
+      <p:cxnSp>
+        <p:nvCxnSpPr>
+          <p:cNvPr id="32" name="Straight Connector 31"/>
+          <p:cNvCxnSpPr/>
+          <p:nvPr/>
+        </p:nvCxnSpPr>
+        <p:spPr>
+          <a:xfrm>
+            <a:off x="179512" y="3140968"/>
+            <a:ext cx="1080120" cy="0"/>
+          </a:xfrm>
+          <a:prstGeom prst="line">
+            <a:avLst/>
+          </a:prstGeom>
+          <a:ln>
+            <a:solidFill>
+              <a:schemeClr val="tx1"/>
+            </a:solidFill>
+          </a:ln>
+        </p:spPr>
+        <p:style>
+          <a:lnRef idx="1">
+            <a:schemeClr val="accent1"/>
+          </a:lnRef>
+          <a:fillRef idx="0">
+            <a:schemeClr val="accent1"/>
+          </a:fillRef>
+          <a:effectRef idx="0">
+            <a:schemeClr val="accent1"/>
+          </a:effectRef>
+          <a:fontRef idx="minor">
+            <a:schemeClr val="tx1"/>
+          </a:fontRef>
+        </p:style>
+      </p:cxnSp>
+      <p:sp>
+        <p:nvSpPr>
+          <p:cNvPr id="66" name="TextBox 65"/>
+          <p:cNvSpPr txBox="1"/>
+          <p:nvPr/>
+        </p:nvSpPr>
+        <p:spPr>
+          <a:xfrm>
+            <a:off x="5700719" y="6180137"/>
+            <a:ext cx="1857388" cy="338554"/>
+          </a:xfrm>
+          <a:prstGeom prst="rect">
+            <a:avLst/>
+          </a:prstGeom>
+        </p:spPr>
+        <p:style>
+          <a:lnRef idx="1">
+            <a:schemeClr val="dk1"/>
+          </a:lnRef>
+          <a:fillRef idx="3">
+            <a:schemeClr val="dk1"/>
+          </a:fillRef>
+          <a:effectRef idx="2">
+            <a:schemeClr val="dk1"/>
+          </a:effectRef>
+          <a:fontRef idx="minor">
+            <a:schemeClr val="lt1"/>
+          </a:fontRef>
+        </p:style>
+        <p:txBody>
+          <a:bodyPr wrap="square" rtlCol="0">
+            <a:spAutoFit/>
+          </a:bodyPr>
+          <a:lstStyle/>
+          <a:p>
+            <a:r>
+              <a:rPr lang="en-AU" sz="800" b="1" dirty="0" smtClean="0">
+                <a:solidFill>
+                  <a:schemeClr val="accent6"/>
+                </a:solidFill>
+                <a:latin typeface="Arial Black" pitchFamily="34" charset="0"/>
+              </a:rPr>
+              <a:t>Button, Arial </a:t>
+            </a:r>
+            <a:r>
+              <a:rPr lang="en-AU" sz="800" b="1" dirty="0" smtClean="0">
+                <a:solidFill>
+                  <a:schemeClr val="accent6"/>
+                </a:solidFill>
+                <a:latin typeface="Arial Black" pitchFamily="34" charset="0"/>
+              </a:rPr>
+              <a:t>Narrow, Bold, </a:t>
+            </a:r>
+            <a:r>
+              <a:rPr lang="en-AU" sz="800" b="1" dirty="0" smtClean="0">
+                <a:solidFill>
+                  <a:schemeClr val="accent6"/>
+                </a:solidFill>
+                <a:latin typeface="Arial" pitchFamily="34" charset="0"/>
+                <a:cs typeface="Arial" pitchFamily="34" charset="0"/>
+              </a:rPr>
+              <a:t>12</a:t>
+            </a:r>
+            <a:r>
+              <a:rPr lang="en-AU" sz="800" b="1" dirty="0" smtClean="0">
+                <a:solidFill>
+                  <a:schemeClr val="accent6"/>
+                </a:solidFill>
+                <a:latin typeface="Arial Black" pitchFamily="34" charset="0"/>
+              </a:rPr>
+              <a:t>; </a:t>
+            </a:r>
+            <a:r>
+              <a:rPr lang="en-AU" sz="800" b="1" dirty="0" smtClean="0">
+                <a:solidFill>
+                  <a:schemeClr val="accent6"/>
+                </a:solidFill>
+                <a:latin typeface="Arial Black" pitchFamily="34" charset="0"/>
+              </a:rPr>
+              <a:t>#2f2faf</a:t>
+            </a:r>
+            <a:endParaRPr lang="en-US" sz="800" b="1" dirty="0">
+              <a:solidFill>
+                <a:schemeClr val="accent6"/>
+              </a:solidFill>
+              <a:latin typeface="Arial Black" pitchFamily="34" charset="0"/>
+            </a:endParaRPr>
+          </a:p>
+        </p:txBody>
+      </p:sp>
+      <p:cxnSp>
+        <p:nvCxnSpPr>
+          <p:cNvPr id="36" name="Straight Arrow Connector 35"/>
+          <p:cNvCxnSpPr>
+            <a:endCxn id="66" idx="1"/>
+          </p:cNvCxnSpPr>
+          <p:nvPr/>
+        </p:nvCxnSpPr>
+        <p:spPr>
+          <a:xfrm>
+            <a:off x="5004048" y="6349414"/>
+            <a:ext cx="696671" cy="0"/>
+          </a:xfrm>
+          <a:prstGeom prst="straightConnector1">
+            <a:avLst/>
+          </a:prstGeom>
+          <a:ln>
+            <a:solidFill>
+              <a:schemeClr val="tx1"/>
+            </a:solidFill>
+            <a:tailEnd type="arrow"/>
+          </a:ln>
+        </p:spPr>
+        <p:style>
+          <a:lnRef idx="1">
+            <a:schemeClr val="accent1"/>
+          </a:lnRef>
+          <a:fillRef idx="0">
+            <a:schemeClr val="accent1"/>
+          </a:fillRef>
+          <a:effectRef idx="0">
+            <a:schemeClr val="accent1"/>
+          </a:effectRef>
+          <a:fontRef idx="minor">
+            <a:schemeClr val="tx1"/>
+          </a:fontRef>
+        </p:style>
+      </p:cxnSp>
+      <p:sp>
+        <p:nvSpPr>
+          <p:cNvPr id="70" name="TextBox 69"/>
+          <p:cNvSpPr txBox="1"/>
+          <p:nvPr/>
+        </p:nvSpPr>
+        <p:spPr>
+          <a:xfrm>
+            <a:off x="330938" y="2349460"/>
+            <a:ext cx="1857388" cy="215444"/>
+          </a:xfrm>
+          <a:prstGeom prst="rect">
+            <a:avLst/>
+          </a:prstGeom>
+        </p:spPr>
+        <p:style>
+          <a:lnRef idx="1">
+            <a:schemeClr val="dk1"/>
+          </a:lnRef>
+          <a:fillRef idx="3">
+            <a:schemeClr val="dk1"/>
+          </a:fillRef>
+          <a:effectRef idx="2">
+            <a:schemeClr val="dk1"/>
+          </a:effectRef>
+          <a:fontRef idx="minor">
+            <a:schemeClr val="lt1"/>
+          </a:fontRef>
+        </p:style>
+        <p:txBody>
+          <a:bodyPr wrap="square" rtlCol="0">
+            <a:spAutoFit/>
+          </a:bodyPr>
+          <a:lstStyle/>
+          <a:p>
+            <a:r>
+              <a:rPr lang="en-AU" sz="800" b="1" dirty="0" smtClean="0">
+                <a:solidFill>
+                  <a:schemeClr val="accent6"/>
+                </a:solidFill>
+                <a:latin typeface="Arial Black" pitchFamily="34" charset="0"/>
+              </a:rPr>
+              <a:t>Arial Narrow, </a:t>
+            </a:r>
+            <a:r>
+              <a:rPr lang="en-AU" sz="800" b="1" dirty="0" smtClean="0">
+                <a:solidFill>
+                  <a:schemeClr val="accent6"/>
+                </a:solidFill>
+                <a:latin typeface="Arial Black" pitchFamily="34" charset="0"/>
+              </a:rPr>
+              <a:t>9; #0f0f7f</a:t>
+            </a:r>
+            <a:endParaRPr lang="en-US" sz="800" b="1" dirty="0">
+              <a:solidFill>
+                <a:schemeClr val="accent6"/>
+              </a:solidFill>
+              <a:latin typeface="Arial Black" pitchFamily="34" charset="0"/>
+            </a:endParaRPr>
+          </a:p>
+        </p:txBody>
+      </p:sp>
+      <p:cxnSp>
+        <p:nvCxnSpPr>
+          <p:cNvPr id="40" name="Straight Arrow Connector 39"/>
+          <p:cNvCxnSpPr/>
+          <p:nvPr/>
+        </p:nvCxnSpPr>
+        <p:spPr>
+          <a:xfrm>
+            <a:off x="1835696" y="2564904"/>
+            <a:ext cx="0" cy="216024"/>
+          </a:xfrm>
+          <a:prstGeom prst="straightConnector1">
+            <a:avLst/>
+          </a:prstGeom>
+          <a:ln>
+            <a:solidFill>
+              <a:schemeClr val="tx1"/>
+            </a:solidFill>
+            <a:tailEnd type="arrow"/>
+          </a:ln>
+        </p:spPr>
+        <p:style>
+          <a:lnRef idx="1">
+            <a:schemeClr val="accent1"/>
+          </a:lnRef>
+          <a:fillRef idx="0">
+            <a:schemeClr val="accent1"/>
+          </a:fillRef>
+          <a:effectRef idx="0">
+            <a:schemeClr val="accent1"/>
+          </a:effectRef>
+          <a:fontRef idx="minor">
+            <a:schemeClr val="tx1"/>
+          </a:fontRef>
+        </p:style>
+      </p:cxnSp>
+      <p:sp>
+        <p:nvSpPr>
+          <p:cNvPr id="73" name="TextBox 72"/>
+          <p:cNvSpPr txBox="1"/>
+          <p:nvPr/>
+        </p:nvSpPr>
+        <p:spPr>
+          <a:xfrm>
+            <a:off x="7985816" y="3645024"/>
+            <a:ext cx="1224136" cy="215444"/>
+          </a:xfrm>
+          <a:prstGeom prst="rect">
+            <a:avLst/>
+          </a:prstGeom>
+        </p:spPr>
+        <p:style>
+          <a:lnRef idx="1">
+            <a:schemeClr val="dk1"/>
+          </a:lnRef>
+          <a:fillRef idx="3">
+            <a:schemeClr val="dk1"/>
+          </a:fillRef>
+          <a:effectRef idx="2">
+            <a:schemeClr val="dk1"/>
+          </a:effectRef>
+          <a:fontRef idx="minor">
+            <a:schemeClr val="lt1"/>
+          </a:fontRef>
+        </p:style>
+        <p:txBody>
+          <a:bodyPr wrap="square" rtlCol="0">
+            <a:spAutoFit/>
+          </a:bodyPr>
+          <a:lstStyle/>
+          <a:p>
+            <a:r>
+              <a:rPr lang="en-AU" sz="800" b="1" dirty="0" smtClean="0">
+                <a:solidFill>
+                  <a:schemeClr val="accent6"/>
+                </a:solidFill>
+                <a:latin typeface="Arial Black" pitchFamily="34" charset="0"/>
+              </a:rPr>
+              <a:t>80% , #</a:t>
+            </a:r>
+            <a:r>
+              <a:rPr lang="en-AU" sz="800" b="1" dirty="0" err="1" smtClean="0">
+                <a:solidFill>
+                  <a:schemeClr val="accent6"/>
+                </a:solidFill>
+                <a:latin typeface="Arial Black" pitchFamily="34" charset="0"/>
+              </a:rPr>
+              <a:t>dfdfff</a:t>
+            </a:r>
+            <a:endParaRPr lang="en-US" sz="800" b="1" dirty="0">
+              <a:solidFill>
+                <a:schemeClr val="accent6"/>
+              </a:solidFill>
+              <a:latin typeface="Arial Black" pitchFamily="34" charset="0"/>
+            </a:endParaRPr>
+          </a:p>
+        </p:txBody>
+      </p:sp>
+      <p:cxnSp>
+        <p:nvCxnSpPr>
+          <p:cNvPr id="42" name="Straight Arrow Connector 41"/>
+          <p:cNvCxnSpPr>
+            <a:endCxn id="73" idx="0"/>
+          </p:cNvCxnSpPr>
+          <p:nvPr/>
+        </p:nvCxnSpPr>
+        <p:spPr>
+          <a:xfrm>
+            <a:off x="8597884" y="2217515"/>
+            <a:ext cx="0" cy="1427509"/>
+          </a:xfrm>
+          <a:prstGeom prst="straightConnector1">
+            <a:avLst/>
+          </a:prstGeom>
+          <a:ln>
+            <a:solidFill>
+              <a:schemeClr val="tx1"/>
+            </a:solidFill>
+            <a:tailEnd type="arrow"/>
+          </a:ln>
+        </p:spPr>
+        <p:style>
+          <a:lnRef idx="1">
+            <a:schemeClr val="accent1"/>
+          </a:lnRef>
+          <a:fillRef idx="0">
+            <a:schemeClr val="accent1"/>
+          </a:fillRef>
+          <a:effectRef idx="0">
+            <a:schemeClr val="accent1"/>
+          </a:effectRef>
+          <a:fontRef idx="minor">
+            <a:schemeClr val="tx1"/>
+          </a:fontRef>
+        </p:style>
+      </p:cxnSp>
+      <p:cxnSp>
+        <p:nvCxnSpPr>
+          <p:cNvPr id="48" name="Straight Arrow Connector 47"/>
+          <p:cNvCxnSpPr>
+            <a:endCxn id="73" idx="2"/>
+          </p:cNvCxnSpPr>
+          <p:nvPr/>
+        </p:nvCxnSpPr>
+        <p:spPr>
+          <a:xfrm flipV="1">
+            <a:off x="8597884" y="3860468"/>
+            <a:ext cx="0" cy="3035632"/>
+          </a:xfrm>
+          <a:prstGeom prst="straightConnector1">
+            <a:avLst/>
+          </a:prstGeom>
+          <a:ln>
+            <a:solidFill>
+              <a:schemeClr val="tx1"/>
+            </a:solidFill>
+            <a:tailEnd type="arrow"/>
+          </a:ln>
+        </p:spPr>
+        <p:style>
+          <a:lnRef idx="1">
+            <a:schemeClr val="accent1"/>
+          </a:lnRef>
+          <a:fillRef idx="0">
+            <a:schemeClr val="accent1"/>
+          </a:fillRef>
+          <a:effectRef idx="0">
+            <a:schemeClr val="accent1"/>
+          </a:effectRef>
+          <a:fontRef idx="minor">
+            <a:schemeClr val="tx1"/>
+          </a:fontRef>
+        </p:style>
+      </p:cxnSp>
+    </p:spTree>
+    <p:extLst>
+      <p:ext uri="{BB962C8B-B14F-4D97-AF65-F5344CB8AC3E}">
+        <p14:creationId xmlns:p14="http://schemas.microsoft.com/office/powerpoint/2010/main" val="2645082414"/>
       </p:ext>
     </p:extLst>
   </p:cSld>
